--- a/storyboard.pptx
+++ b/storyboard.pptx
@@ -2,18 +2,20 @@
 <file path=ppt/presentation.xml><?xml version="1.0" encoding="utf-8"?>
 <p:presentation xmlns:a="http://schemas.openxmlformats.org/drawingml/2006/main" xmlns:r="http://schemas.openxmlformats.org/officeDocument/2006/relationships" xmlns:p="http://schemas.openxmlformats.org/presentationml/2006/main" saveSubsetFonts="1">
   <p:sldMasterIdLst>
-    <p:sldMasterId id="2147483648" r:id="rId67"/>
+    <p:sldMasterId id="2147483648" r:id="rId70"/>
   </p:sldMasterIdLst>
   <p:sldIdLst>
-    <p:sldId id="258" r:id="rId68"/>
-    <p:sldId id="260" r:id="rId69"/>
-    <p:sldId id="261" r:id="rId70"/>
-    <p:sldId id="259" r:id="rId71"/>
-    <p:sldId id="262" r:id="rId72"/>
-    <p:sldId id="264" r:id="rId73"/>
-    <p:sldId id="265" r:id="rId74"/>
-    <p:sldId id="256" r:id="rId75"/>
-    <p:sldId id="257" r:id="rId76"/>
+    <p:sldId id="258" r:id="rId71"/>
+    <p:sldId id="260" r:id="rId72"/>
+    <p:sldId id="261" r:id="rId73"/>
+    <p:sldId id="259" r:id="rId74"/>
+    <p:sldId id="262" r:id="rId75"/>
+    <p:sldId id="264" r:id="rId76"/>
+    <p:sldId id="265" r:id="rId77"/>
+    <p:sldId id="256" r:id="rId78"/>
+    <p:sldId id="257" r:id="rId79"/>
+    <p:sldId id="267" r:id="rId80"/>
+    <p:sldId id="266" r:id="rId81"/>
   </p:sldIdLst>
   <p:sldSz cx="12192000" cy="6858000"/>
   <p:notesSz cx="6858000" cy="9144000"/>
@@ -251,7 +253,7 @@
           <a:p>
             <a:fld id="{CC82CC49-4DBA-4794-8809-5FB86798DDEC}" type="datetimeFigureOut">
               <a:rPr lang="en-GB" smtClean="0"/>
-              <a:t>12-12/16</a:t>
+              <a:t>27-1/17</a:t>
             </a:fld>
             <a:endParaRPr lang="en-GB"/>
           </a:p>
@@ -421,7 +423,7 @@
           <a:p>
             <a:fld id="{CC82CC49-4DBA-4794-8809-5FB86798DDEC}" type="datetimeFigureOut">
               <a:rPr lang="en-GB" smtClean="0"/>
-              <a:t>12-12/16</a:t>
+              <a:t>27-1/17</a:t>
             </a:fld>
             <a:endParaRPr lang="en-GB"/>
           </a:p>
@@ -601,7 +603,7 @@
           <a:p>
             <a:fld id="{CC82CC49-4DBA-4794-8809-5FB86798DDEC}" type="datetimeFigureOut">
               <a:rPr lang="en-GB" smtClean="0"/>
-              <a:t>12-12/16</a:t>
+              <a:t>27-1/17</a:t>
             </a:fld>
             <a:endParaRPr lang="en-GB"/>
           </a:p>
@@ -771,7 +773,7 @@
           <a:p>
             <a:fld id="{CC82CC49-4DBA-4794-8809-5FB86798DDEC}" type="datetimeFigureOut">
               <a:rPr lang="en-GB" smtClean="0"/>
-              <a:t>12-12/16</a:t>
+              <a:t>27-1/17</a:t>
             </a:fld>
             <a:endParaRPr lang="en-GB"/>
           </a:p>
@@ -1017,7 +1019,7 @@
           <a:p>
             <a:fld id="{CC82CC49-4DBA-4794-8809-5FB86798DDEC}" type="datetimeFigureOut">
               <a:rPr lang="en-GB" smtClean="0"/>
-              <a:t>12-12/16</a:t>
+              <a:t>27-1/17</a:t>
             </a:fld>
             <a:endParaRPr lang="en-GB"/>
           </a:p>
@@ -1249,7 +1251,7 @@
           <a:p>
             <a:fld id="{CC82CC49-4DBA-4794-8809-5FB86798DDEC}" type="datetimeFigureOut">
               <a:rPr lang="en-GB" smtClean="0"/>
-              <a:t>12-12/16</a:t>
+              <a:t>27-1/17</a:t>
             </a:fld>
             <a:endParaRPr lang="en-GB"/>
           </a:p>
@@ -1616,7 +1618,7 @@
           <a:p>
             <a:fld id="{CC82CC49-4DBA-4794-8809-5FB86798DDEC}" type="datetimeFigureOut">
               <a:rPr lang="en-GB" smtClean="0"/>
-              <a:t>12-12/16</a:t>
+              <a:t>27-1/17</a:t>
             </a:fld>
             <a:endParaRPr lang="en-GB"/>
           </a:p>
@@ -1734,7 +1736,7 @@
           <a:p>
             <a:fld id="{CC82CC49-4DBA-4794-8809-5FB86798DDEC}" type="datetimeFigureOut">
               <a:rPr lang="en-GB" smtClean="0"/>
-              <a:t>12-12/16</a:t>
+              <a:t>27-1/17</a:t>
             </a:fld>
             <a:endParaRPr lang="en-GB"/>
           </a:p>
@@ -1829,7 +1831,7 @@
           <a:p>
             <a:fld id="{CC82CC49-4DBA-4794-8809-5FB86798DDEC}" type="datetimeFigureOut">
               <a:rPr lang="en-GB" smtClean="0"/>
-              <a:t>12-12/16</a:t>
+              <a:t>27-1/17</a:t>
             </a:fld>
             <a:endParaRPr lang="en-GB"/>
           </a:p>
@@ -2106,7 +2108,7 @@
           <a:p>
             <a:fld id="{CC82CC49-4DBA-4794-8809-5FB86798DDEC}" type="datetimeFigureOut">
               <a:rPr lang="en-GB" smtClean="0"/>
-              <a:t>12-12/16</a:t>
+              <a:t>27-1/17</a:t>
             </a:fld>
             <a:endParaRPr lang="en-GB"/>
           </a:p>
@@ -2359,7 +2361,7 @@
           <a:p>
             <a:fld id="{CC82CC49-4DBA-4794-8809-5FB86798DDEC}" type="datetimeFigureOut">
               <a:rPr lang="en-GB" smtClean="0"/>
-              <a:t>12-12/16</a:t>
+              <a:t>27-1/17</a:t>
             </a:fld>
             <a:endParaRPr lang="en-GB"/>
           </a:p>
@@ -2572,7 +2574,7 @@
           <a:p>
             <a:fld id="{CC82CC49-4DBA-4794-8809-5FB86798DDEC}" type="datetimeFigureOut">
               <a:rPr lang="en-GB" smtClean="0"/>
-              <a:t>12-12/16</a:t>
+              <a:t>27-1/17</a:t>
             </a:fld>
             <a:endParaRPr lang="en-GB"/>
           </a:p>
@@ -6159,6 +6161,733 @@
     <p:extLst>
       <p:ext uri="{BB962C8B-B14F-4D97-AF65-F5344CB8AC3E}">
         <p14:creationId xmlns:p14="http://schemas.microsoft.com/office/powerpoint/2010/main" val="1313313671"/>
+      </p:ext>
+    </p:extLst>
+  </p:cSld>
+  <p:clrMapOvr>
+    <a:masterClrMapping/>
+  </p:clrMapOvr>
+</p:sld>
+</file>
+
+<file path=ppt/slides/slide10.xml><?xml version="1.0" encoding="utf-8"?>
+<p:sld xmlns:a="http://schemas.openxmlformats.org/drawingml/2006/main" xmlns:r="http://schemas.openxmlformats.org/officeDocument/2006/relationships" xmlns:p="http://schemas.openxmlformats.org/presentationml/2006/main">
+  <p:cSld>
+    <p:spTree>
+      <p:nvGrpSpPr>
+        <p:cNvPr id="1" name=""/>
+        <p:cNvGrpSpPr/>
+        <p:nvPr/>
+      </p:nvGrpSpPr>
+      <p:grpSpPr>
+        <a:xfrm>
+          <a:off x="0" y="0"/>
+          <a:ext cx="0" cy="0"/>
+          <a:chOff x="0" y="0"/>
+          <a:chExt cx="0" cy="0"/>
+        </a:xfrm>
+      </p:grpSpPr>
+      <p:sp>
+        <p:nvSpPr>
+          <p:cNvPr id="2" name="Title 1"/>
+          <p:cNvSpPr>
+            <a:spLocks noGrp="1"/>
+          </p:cNvSpPr>
+          <p:nvPr>
+            <p:ph type="title"/>
+          </p:nvPr>
+        </p:nvSpPr>
+        <p:spPr/>
+        <p:txBody>
+          <a:bodyPr>
+            <a:noAutofit/>
+          </a:bodyPr>
+          <a:lstStyle/>
+          <a:p>
+            <a:r>
+              <a:rPr lang="en-GB" sz="19900" dirty="0"/>
+              <a:t>Stage 2</a:t>
+            </a:r>
+          </a:p>
+        </p:txBody>
+      </p:sp>
+      <p:sp>
+        <p:nvSpPr>
+          <p:cNvPr id="3" name="Content Placeholder 2"/>
+          <p:cNvSpPr>
+            <a:spLocks noGrp="1"/>
+          </p:cNvSpPr>
+          <p:nvPr>
+            <p:ph idx="1"/>
+          </p:nvPr>
+        </p:nvSpPr>
+        <p:spPr/>
+        <p:txBody>
+          <a:bodyPr/>
+          <a:lstStyle/>
+          <a:p>
+            <a:endParaRPr lang="en-GB"/>
+          </a:p>
+        </p:txBody>
+      </p:sp>
+    </p:spTree>
+    <p:extLst>
+      <p:ext uri="{BB962C8B-B14F-4D97-AF65-F5344CB8AC3E}">
+        <p14:creationId xmlns:p14="http://schemas.microsoft.com/office/powerpoint/2010/main" val="3519006168"/>
+      </p:ext>
+    </p:extLst>
+  </p:cSld>
+  <p:clrMapOvr>
+    <a:masterClrMapping/>
+  </p:clrMapOvr>
+</p:sld>
+</file>
+
+<file path=ppt/slides/slide11.xml><?xml version="1.0" encoding="utf-8"?>
+<p:sld xmlns:a="http://schemas.openxmlformats.org/drawingml/2006/main" xmlns:r="http://schemas.openxmlformats.org/officeDocument/2006/relationships" xmlns:p="http://schemas.openxmlformats.org/presentationml/2006/main">
+  <p:cSld>
+    <p:spTree>
+      <p:nvGrpSpPr>
+        <p:cNvPr id="1" name=""/>
+        <p:cNvGrpSpPr/>
+        <p:nvPr/>
+      </p:nvGrpSpPr>
+      <p:grpSpPr>
+        <a:xfrm>
+          <a:off x="0" y="0"/>
+          <a:ext cx="0" cy="0"/>
+          <a:chOff x="0" y="0"/>
+          <a:chExt cx="0" cy="0"/>
+        </a:xfrm>
+      </p:grpSpPr>
+      <p:sp>
+        <p:nvSpPr>
+          <p:cNvPr id="67" name="TextBox 66"/>
+          <p:cNvSpPr txBox="1"/>
+          <p:nvPr/>
+        </p:nvSpPr>
+        <p:spPr>
+          <a:xfrm>
+            <a:off x="852536" y="522605"/>
+            <a:ext cx="4396902" cy="369332"/>
+          </a:xfrm>
+          <a:prstGeom prst="rect">
+            <a:avLst/>
+          </a:prstGeom>
+          <a:noFill/>
+        </p:spPr>
+        <p:txBody>
+          <a:bodyPr wrap="square" rtlCol="0">
+            <a:spAutoFit/>
+          </a:bodyPr>
+          <a:lstStyle/>
+          <a:p>
+            <a:r>
+              <a:rPr lang="en-GB" b="1" dirty="0"/>
+              <a:t>Coursework task for F24NN</a:t>
+            </a:r>
+            <a:endParaRPr lang="en-GB" dirty="0"/>
+          </a:p>
+        </p:txBody>
+      </p:sp>
+      <p:sp>
+        <p:nvSpPr>
+          <p:cNvPr id="236" name="TextBox 235"/>
+          <p:cNvSpPr txBox="1"/>
+          <p:nvPr/>
+        </p:nvSpPr>
+        <p:spPr>
+          <a:xfrm>
+            <a:off x="852536" y="134053"/>
+            <a:ext cx="4722931" cy="369332"/>
+          </a:xfrm>
+          <a:prstGeom prst="rect">
+            <a:avLst/>
+          </a:prstGeom>
+          <a:noFill/>
+        </p:spPr>
+        <p:txBody>
+          <a:bodyPr wrap="square" rtlCol="0">
+            <a:spAutoFit/>
+          </a:bodyPr>
+          <a:lstStyle/>
+          <a:p>
+            <a:r>
+              <a:rPr lang="en-GB" dirty="0"/>
+              <a:t>Peer testing website</a:t>
+            </a:r>
+          </a:p>
+        </p:txBody>
+      </p:sp>
+      <p:pic>
+        <p:nvPicPr>
+          <p:cNvPr id="237" name="Picture 236"/>
+          <p:cNvPicPr preferRelativeResize="0">
+            <a:picLocks/>
+          </p:cNvPicPr>
+          <p:nvPr>
+            <p:custDataLst>
+              <p:custData r:id="rId1"/>
+            </p:custDataLst>
+          </p:nvPr>
+        </p:nvPicPr>
+        <p:blipFill>
+          <a:blip r:embed="rId5">
+            <a:extLst>
+              <a:ext uri="{28A0092B-C50C-407E-A947-70E740481C1C}">
+                <a14:useLocalDpi xmlns:a14="http://schemas.microsoft.com/office/drawing/2010/main" val="0"/>
+              </a:ext>
+            </a:extLst>
+          </a:blip>
+          <a:stretch>
+            <a:fillRect/>
+          </a:stretch>
+        </p:blipFill>
+        <p:spPr>
+          <a:xfrm>
+            <a:off x="424871" y="244322"/>
+            <a:ext cx="213843" cy="185950"/>
+          </a:xfrm>
+          <a:prstGeom prst="rect">
+            <a:avLst/>
+          </a:prstGeom>
+        </p:spPr>
+      </p:pic>
+      <p:pic>
+        <p:nvPicPr>
+          <p:cNvPr id="245" name="Picture 2" descr="C:\Users\t-dantay\Documents\Placeholders\user.png"/>
+          <p:cNvPicPr>
+            <a:picLocks noChangeAspect="1" noChangeArrowheads="1"/>
+          </p:cNvPicPr>
+          <p:nvPr>
+            <p:custDataLst>
+              <p:custData r:id="rId2"/>
+            </p:custDataLst>
+          </p:nvPr>
+        </p:nvPicPr>
+        <p:blipFill>
+          <a:blip r:embed="rId6" cstate="print">
+            <a:extLst>
+              <a:ext uri="{28A0092B-C50C-407E-A947-70E740481C1C}">
+                <a14:useLocalDpi xmlns:a14="http://schemas.microsoft.com/office/drawing/2010/main" val="0"/>
+              </a:ext>
+            </a:extLst>
+          </a:blip>
+          <a:srcRect/>
+          <a:stretch>
+            <a:fillRect/>
+          </a:stretch>
+        </p:blipFill>
+        <p:spPr bwMode="auto">
+          <a:xfrm>
+            <a:off x="7098797" y="172173"/>
+            <a:ext cx="209006" cy="228600"/>
+          </a:xfrm>
+          <a:prstGeom prst="rect">
+            <a:avLst/>
+          </a:prstGeom>
+          <a:noFill/>
+          <a:extLst>
+            <a:ext uri="{909E8E84-426E-40DD-AFC4-6F175D3DCCD1}">
+              <a14:hiddenFill xmlns:a14="http://schemas.microsoft.com/office/drawing/2010/main">
+                <a:solidFill>
+                  <a:srgbClr val="FFFFFF"/>
+                </a:solidFill>
+              </a14:hiddenFill>
+            </a:ext>
+          </a:extLst>
+        </p:spPr>
+      </p:pic>
+      <p:sp>
+        <p:nvSpPr>
+          <p:cNvPr id="247" name="TextBox 246"/>
+          <p:cNvSpPr txBox="1"/>
+          <p:nvPr/>
+        </p:nvSpPr>
+        <p:spPr>
+          <a:xfrm>
+            <a:off x="5915025" y="153273"/>
+            <a:ext cx="2402733" cy="553998"/>
+          </a:xfrm>
+          <a:prstGeom prst="rect">
+            <a:avLst/>
+          </a:prstGeom>
+          <a:noFill/>
+        </p:spPr>
+        <p:txBody>
+          <a:bodyPr wrap="square" rtlCol="0">
+            <a:spAutoFit/>
+          </a:bodyPr>
+          <a:lstStyle/>
+          <a:p>
+            <a:r>
+              <a:rPr lang="en-GB" sz="1100" dirty="0"/>
+              <a:t>lm356@hw.ac.uk</a:t>
+            </a:r>
+          </a:p>
+          <a:p>
+            <a:endParaRPr lang="en-GB" dirty="0"/>
+          </a:p>
+        </p:txBody>
+      </p:sp>
+      <p:sp>
+        <p:nvSpPr>
+          <p:cNvPr id="98" name="TextBox 97"/>
+          <p:cNvSpPr txBox="1"/>
+          <p:nvPr/>
+        </p:nvSpPr>
+        <p:spPr>
+          <a:xfrm>
+            <a:off x="1028230" y="976868"/>
+            <a:ext cx="4682271" cy="1477328"/>
+          </a:xfrm>
+          <a:prstGeom prst="rect">
+            <a:avLst/>
+          </a:prstGeom>
+          <a:noFill/>
+        </p:spPr>
+        <p:txBody>
+          <a:bodyPr wrap="square" rtlCol="0">
+            <a:spAutoFit/>
+          </a:bodyPr>
+          <a:lstStyle/>
+          <a:p>
+            <a:r>
+              <a:rPr lang="en-GB" dirty="0"/>
+              <a:t>Descriptor Files: </a:t>
+            </a:r>
+          </a:p>
+          <a:p>
+            <a:r>
+              <a:rPr lang="en-GB" dirty="0">
+                <a:hlinkClick r:id="rId7"/>
+              </a:rPr>
+              <a:t>f24nn.pdf</a:t>
+            </a:r>
+            <a:r>
+              <a:rPr lang="en-GB" dirty="0"/>
+              <a:t> </a:t>
+            </a:r>
+          </a:p>
+          <a:p>
+            <a:r>
+              <a:rPr lang="en-GB" dirty="0"/>
+              <a:t>Sample Files:</a:t>
+            </a:r>
+          </a:p>
+          <a:p>
+            <a:r>
+              <a:rPr lang="en-GB" dirty="0">
+                <a:hlinkClick r:id="rId8" action="ppaction://hlinkfile"/>
+              </a:rPr>
+              <a:t>interface.java</a:t>
+            </a:r>
+          </a:p>
+          <a:p>
+            <a:r>
+              <a:rPr lang="en-GB" dirty="0">
+                <a:hlinkClick r:id="rId8" action="ppaction://hlinkfile"/>
+              </a:rPr>
+              <a:t>input_0.txt</a:t>
+            </a:r>
+            <a:endParaRPr lang="en-GB" dirty="0"/>
+          </a:p>
+        </p:txBody>
+      </p:sp>
+      <p:sp>
+        <p:nvSpPr>
+          <p:cNvPr id="3" name="TextBox 2"/>
+          <p:cNvSpPr txBox="1"/>
+          <p:nvPr/>
+        </p:nvSpPr>
+        <p:spPr>
+          <a:xfrm>
+            <a:off x="1028230" y="2566443"/>
+            <a:ext cx="4682271" cy="4247317"/>
+          </a:xfrm>
+          <a:prstGeom prst="rect">
+            <a:avLst/>
+          </a:prstGeom>
+          <a:noFill/>
+        </p:spPr>
+        <p:txBody>
+          <a:bodyPr wrap="square" rtlCol="0">
+            <a:spAutoFit/>
+          </a:bodyPr>
+          <a:lstStyle/>
+          <a:p>
+            <a:r>
+              <a:rPr lang="en-GB" b="1" dirty="0"/>
+              <a:t>Solutions</a:t>
+            </a:r>
+          </a:p>
+          <a:p>
+            <a:r>
+              <a:rPr lang="en-GB" dirty="0"/>
+              <a:t>	Attempt 1</a:t>
+            </a:r>
+          </a:p>
+          <a:p>
+            <a:r>
+              <a:rPr lang="en-GB" sz="1200" dirty="0"/>
+              <a:t>		&lt;oracle – view feedback&gt;</a:t>
+            </a:r>
+          </a:p>
+          <a:p>
+            <a:r>
+              <a:rPr lang="en-GB" dirty="0"/>
+              <a:t>	Attempt 2</a:t>
+            </a:r>
+          </a:p>
+          <a:p>
+            <a:r>
+              <a:rPr lang="en-GB" sz="1200" dirty="0"/>
+              <a:t>		&lt;student – view feedback&gt;</a:t>
+            </a:r>
+          </a:p>
+          <a:p>
+            <a:r>
+              <a:rPr lang="en-GB" sz="1200" dirty="0"/>
+              <a:t>		&lt;student – view feedback&gt;</a:t>
+            </a:r>
+          </a:p>
+          <a:p>
+            <a:r>
+              <a:rPr lang="en-GB" sz="1200" dirty="0"/>
+              <a:t>		&lt;teacher – view feedback&gt;</a:t>
+            </a:r>
+          </a:p>
+          <a:p>
+            <a:r>
+              <a:rPr lang="en-GB" dirty="0"/>
+              <a:t>	[+ new]</a:t>
+            </a:r>
+          </a:p>
+          <a:p>
+            <a:endParaRPr lang="en-GB" dirty="0"/>
+          </a:p>
+          <a:p>
+            <a:r>
+              <a:rPr lang="en-GB" b="1" dirty="0"/>
+              <a:t>Test Cases</a:t>
+            </a:r>
+          </a:p>
+          <a:p>
+            <a:r>
+              <a:rPr lang="en-GB" dirty="0"/>
+              <a:t>	Test Case 1</a:t>
+            </a:r>
+          </a:p>
+          <a:p>
+            <a:r>
+              <a:rPr lang="en-GB" sz="1200" dirty="0"/>
+              <a:t>		&lt;oracle – view results&gt;</a:t>
+            </a:r>
+          </a:p>
+          <a:p>
+            <a:r>
+              <a:rPr lang="en-GB" dirty="0"/>
+              <a:t>	Test Case 2</a:t>
+            </a:r>
+          </a:p>
+          <a:p>
+            <a:r>
+              <a:rPr lang="en-GB" sz="1200" dirty="0"/>
+              <a:t>		&lt;give feedback to another student&gt;</a:t>
+            </a:r>
+          </a:p>
+          <a:p>
+            <a:r>
+              <a:rPr lang="en-GB" dirty="0"/>
+              <a:t>	Test Case 3</a:t>
+            </a:r>
+          </a:p>
+          <a:p>
+            <a:r>
+              <a:rPr lang="en-GB" sz="1200" dirty="0"/>
+              <a:t>		&lt;waiting to run&gt;</a:t>
+            </a:r>
+          </a:p>
+          <a:p>
+            <a:r>
+              <a:rPr lang="en-GB" dirty="0"/>
+              <a:t>	[+ new]</a:t>
+            </a:r>
+          </a:p>
+        </p:txBody>
+      </p:sp>
+      <p:grpSp>
+        <p:nvGrpSpPr>
+          <p:cNvPr id="83" name="StickyNote"/>
+          <p:cNvGrpSpPr/>
+          <p:nvPr>
+            <p:custDataLst>
+              <p:custData r:id="rId3"/>
+            </p:custDataLst>
+          </p:nvPr>
+        </p:nvGrpSpPr>
+        <p:grpSpPr>
+          <a:xfrm>
+            <a:off x="6664869" y="976868"/>
+            <a:ext cx="2532063" cy="5372550"/>
+            <a:chOff x="12107550" y="4029452"/>
+            <a:chExt cx="1371600" cy="1490420"/>
+          </a:xfrm>
+        </p:grpSpPr>
+        <p:sp>
+          <p:nvSpPr>
+            <p:cNvPr id="84" name="Content"/>
+            <p:cNvSpPr>
+              <a:spLocks/>
+            </p:cNvSpPr>
+            <p:nvPr/>
+          </p:nvSpPr>
+          <p:spPr>
+            <a:xfrm>
+              <a:off x="12107550" y="4065845"/>
+              <a:ext cx="1371600" cy="1454027"/>
+            </a:xfrm>
+            <a:prstGeom prst="rect">
+              <a:avLst/>
+            </a:prstGeom>
+            <a:gradFill>
+              <a:gsLst>
+                <a:gs pos="100000">
+                  <a:srgbClr val="FFFF89"/>
+                </a:gs>
+                <a:gs pos="0">
+                  <a:srgbClr val="FFFF99"/>
+                </a:gs>
+              </a:gsLst>
+              <a:lin ang="5400000" scaled="0"/>
+            </a:gradFill>
+            <a:ln w="3175">
+              <a:solidFill>
+                <a:srgbClr val="FFFFFF">
+                  <a:lumMod val="50000"/>
+                </a:srgbClr>
+              </a:solidFill>
+            </a:ln>
+            <a:effectLst/>
+          </p:spPr>
+          <p:style>
+            <a:lnRef idx="2">
+              <a:srgbClr val="4F81BD">
+                <a:shade val="50000"/>
+              </a:srgbClr>
+            </a:lnRef>
+            <a:fillRef idx="1">
+              <a:srgbClr val="4F81BD"/>
+            </a:fillRef>
+            <a:effectRef idx="0">
+              <a:srgbClr val="4F81BD"/>
+            </a:effectRef>
+            <a:fontRef idx="minor">
+              <a:srgbClr val="000000"/>
+            </a:fontRef>
+          </p:style>
+          <p:txBody>
+            <a:bodyPr lIns="91440" tIns="137160" rIns="91440" bIns="45720" rtlCol="0" anchor="t" anchorCtr="0">
+              <a:normAutofit/>
+            </a:bodyPr>
+            <a:lstStyle/>
+            <a:p>
+              <a:r>
+                <a:rPr lang="en-US" sz="1200" dirty="0">
+                  <a:solidFill>
+                    <a:sysClr val="windowText" lastClr="000000"/>
+                  </a:solidFill>
+                  <a:latin typeface="Segoe UI" pitchFamily="34" charset="0"/>
+                  <a:cs typeface="Segoe UI" pitchFamily="34" charset="0"/>
+                </a:rPr>
+                <a:t>Attempt 1 – the student wanted to make sure their program could be interpreted by the system. – links to any errors that were reported by a pipeline plugin</a:t>
+              </a:r>
+            </a:p>
+            <a:p>
+              <a:endParaRPr lang="en-US" sz="1200" dirty="0">
+                <a:solidFill>
+                  <a:sysClr val="windowText" lastClr="000000"/>
+                </a:solidFill>
+                <a:latin typeface="Segoe UI" pitchFamily="34" charset="0"/>
+                <a:cs typeface="Segoe UI" pitchFamily="34" charset="0"/>
+              </a:endParaRPr>
+            </a:p>
+            <a:p>
+              <a:r>
+                <a:rPr lang="en-US" sz="1200" dirty="0">
+                  <a:solidFill>
+                    <a:sysClr val="windowText" lastClr="000000"/>
+                  </a:solidFill>
+                  <a:latin typeface="Segoe UI" pitchFamily="34" charset="0"/>
+                  <a:cs typeface="Segoe UI" pitchFamily="34" charset="0"/>
+                </a:rPr>
+                <a:t>Attempt 2 – An actual submission – links to the feedback overview </a:t>
+              </a:r>
+              <a:r>
+                <a:rPr lang="en-US" sz="1200" dirty="0" err="1">
+                  <a:solidFill>
+                    <a:sysClr val="windowText" lastClr="000000"/>
+                  </a:solidFill>
+                  <a:latin typeface="Segoe UI" pitchFamily="34" charset="0"/>
+                  <a:cs typeface="Segoe UI" pitchFamily="34" charset="0"/>
+                </a:rPr>
+                <a:t>TestMatches</a:t>
+              </a:r>
+              <a:r>
+                <a:rPr lang="en-US" sz="1200" dirty="0">
+                  <a:solidFill>
+                    <a:sysClr val="windowText" lastClr="000000"/>
+                  </a:solidFill>
+                  <a:latin typeface="Segoe UI" pitchFamily="34" charset="0"/>
+                  <a:cs typeface="Segoe UI" pitchFamily="34" charset="0"/>
+                </a:rPr>
+                <a:t> where this is a solution and it is visible to developer</a:t>
+              </a:r>
+            </a:p>
+            <a:p>
+              <a:endParaRPr lang="en-US" sz="1200" dirty="0">
+                <a:solidFill>
+                  <a:sysClr val="windowText" lastClr="000000"/>
+                </a:solidFill>
+                <a:latin typeface="Segoe UI" pitchFamily="34" charset="0"/>
+                <a:cs typeface="Segoe UI" pitchFamily="34" charset="0"/>
+              </a:endParaRPr>
+            </a:p>
+            <a:p>
+              <a:r>
+                <a:rPr lang="en-US" sz="1200" dirty="0">
+                  <a:solidFill>
+                    <a:sysClr val="windowText" lastClr="000000"/>
+                  </a:solidFill>
+                  <a:latin typeface="Segoe UI" pitchFamily="34" charset="0"/>
+                  <a:cs typeface="Segoe UI" pitchFamily="34" charset="0"/>
+                </a:rPr>
+                <a:t>Test Case 1 – A student wants to submit a test case to see what the ideal output is – links to the results of the output</a:t>
+              </a:r>
+            </a:p>
+            <a:p>
+              <a:endParaRPr lang="en-US" sz="1200" dirty="0">
+                <a:solidFill>
+                  <a:sysClr val="windowText" lastClr="000000"/>
+                </a:solidFill>
+                <a:latin typeface="Segoe UI" pitchFamily="34" charset="0"/>
+                <a:cs typeface="Segoe UI" pitchFamily="34" charset="0"/>
+              </a:endParaRPr>
+            </a:p>
+            <a:p>
+              <a:r>
+                <a:rPr lang="en-US" sz="1200" dirty="0">
+                  <a:solidFill>
+                    <a:sysClr val="windowText" lastClr="000000"/>
+                  </a:solidFill>
+                  <a:latin typeface="Segoe UI" pitchFamily="34" charset="0"/>
+                  <a:cs typeface="Segoe UI" pitchFamily="34" charset="0"/>
+                </a:rPr>
+                <a:t>Test Case 2 – The teacher or the website has generated a test case using someone else’s solution and someone else’s test case – links to the feedback view</a:t>
+              </a:r>
+            </a:p>
+            <a:p>
+              <a:endParaRPr lang="en-US" sz="1200" dirty="0">
+                <a:solidFill>
+                  <a:sysClr val="windowText" lastClr="000000"/>
+                </a:solidFill>
+                <a:latin typeface="Segoe UI" pitchFamily="34" charset="0"/>
+                <a:cs typeface="Segoe UI" pitchFamily="34" charset="0"/>
+              </a:endParaRPr>
+            </a:p>
+            <a:p>
+              <a:r>
+                <a:rPr lang="en-US" sz="1200" dirty="0">
+                  <a:solidFill>
+                    <a:sysClr val="windowText" lastClr="000000"/>
+                  </a:solidFill>
+                  <a:latin typeface="Segoe UI" pitchFamily="34" charset="0"/>
+                  <a:cs typeface="Segoe UI" pitchFamily="34" charset="0"/>
+                </a:rPr>
+                <a:t>Test Case 3 – The student has submitted their test case and it has been run against another students solution – links to feedback view</a:t>
+              </a:r>
+            </a:p>
+          </p:txBody>
+        </p:sp>
+        <p:sp>
+          <p:nvSpPr>
+            <p:cNvPr id="85" name="Tape"/>
+            <p:cNvSpPr>
+              <a:spLocks/>
+            </p:cNvSpPr>
+            <p:nvPr/>
+          </p:nvSpPr>
+          <p:spPr>
+            <a:xfrm rot="401918">
+              <a:off x="12906065" y="4029452"/>
+              <a:ext cx="305422" cy="59767"/>
+            </a:xfrm>
+            <a:prstGeom prst="rect">
+              <a:avLst/>
+            </a:prstGeom>
+            <a:solidFill>
+              <a:srgbClr val="C00000"/>
+            </a:solidFill>
+            <a:ln w="3175" cap="flat" cmpd="sng" algn="ctr">
+              <a:solidFill>
+                <a:srgbClr val="FFFFFF">
+                  <a:lumMod val="50000"/>
+                </a:srgbClr>
+              </a:solidFill>
+              <a:prstDash val="solid"/>
+            </a:ln>
+            <a:effectLst/>
+          </p:spPr>
+          <p:txBody>
+            <a:bodyPr rot="0" spcFirstLastPara="0" vertOverflow="overflow" horzOverflow="overflow" vert="horz" wrap="square" lIns="45720" tIns="45720" rIns="91440" bIns="45720" numCol="1" spcCol="0" rtlCol="0" fromWordArt="0" anchor="ctr" anchorCtr="0" forceAA="0" compatLnSpc="1">
+              <a:prstTxWarp prst="textNoShape">
+                <a:avLst/>
+              </a:prstTxWarp>
+              <a:noAutofit/>
+            </a:bodyPr>
+            <a:lstStyle/>
+            <a:p>
+              <a:pPr marL="0" marR="0" indent="0" algn="ctr" defTabSz="914400" eaLnBrk="1" fontAlgn="auto" latinLnBrk="0" hangingPunct="1">
+                <a:lnSpc>
+                  <a:spcPct val="100000"/>
+                </a:lnSpc>
+                <a:spcBef>
+                  <a:spcPts val="0"/>
+                </a:spcBef>
+                <a:spcAft>
+                  <a:spcPts val="0"/>
+                </a:spcAft>
+                <a:buClrTx/>
+                <a:buSzTx/>
+                <a:buFontTx/>
+                <a:buNone/>
+                <a:tabLst/>
+              </a:pPr>
+              <a:endParaRPr kumimoji="0" lang="en-US" sz="800" b="0" i="0" u="none" strike="noStrike" kern="0" cap="none" spc="0" normalizeH="0" baseline="0" noProof="0" dirty="0">
+                <a:ln>
+                  <a:noFill/>
+                </a:ln>
+                <a:solidFill>
+                  <a:srgbClr val="000000">
+                    <a:lumMod val="75000"/>
+                    <a:lumOff val="25000"/>
+                  </a:srgbClr>
+                </a:solidFill>
+                <a:effectLst/>
+                <a:uLnTx/>
+                <a:uFillTx/>
+                <a:latin typeface="Segoe UI"/>
+                <a:ea typeface="+mn-ea"/>
+                <a:cs typeface="+mn-cs"/>
+              </a:endParaRPr>
+            </a:p>
+          </p:txBody>
+        </p:sp>
+      </p:grpSp>
+    </p:spTree>
+    <p:extLst>
+      <p:ext uri="{BB962C8B-B14F-4D97-AF65-F5344CB8AC3E}">
+        <p14:creationId xmlns:p14="http://schemas.microsoft.com/office/powerpoint/2010/main" val="2076215185"/>
       </p:ext>
     </p:extLst>
   </p:cSld>
@@ -37001,13 +37730,13 @@
 
 <file path=customXml/item1.xml><?xml version="1.0" encoding="utf-8"?>
 <Control xmlns="http://schemas.microsoft.com/VisualStudio/2011/storyboarding/control">
-  <Id Name="System.Storyboarding.WindowsAppIcons.List" Revision="1" Stencil="System.Storyboarding.WindowsAppIcons" StencilVersion="0.1"/>
+  <Id Name="System.Storyboarding.WindowsApps.WindowsAppsTileMedium" Revision="1" Stencil="System.Storyboarding.WindowsApps" StencilVersion="0.1"/>
 </Control>
 </file>
 
 <file path=customXml/item10.xml><?xml version="1.0" encoding="utf-8"?>
 <Control xmlns="http://schemas.microsoft.com/VisualStudio/2011/storyboarding/control">
-  <Id Name="System.Storyboarding.Backgrounds.WebBrowser" Revision="1" Stencil="System.Storyboarding.Backgrounds" StencilVersion="0.1"/>
+  <Id Name="System.Storyboarding.WindowsDesktop.TreeList" Revision="1" Stencil="System.Storyboarding.WindowsDesktop" StencilVersion="0.1"/>
 </Control>
 </file>
 
@@ -37025,19 +37754,19 @@
 
 <file path=customXml/item13.xml><?xml version="1.0" encoding="utf-8"?>
 <Control xmlns="http://schemas.microsoft.com/VisualStudio/2011/storyboarding/control">
-  <Id Name="System.Storyboarding.Backgrounds.WebBrowser" Revision="1" Stencil="System.Storyboarding.Backgrounds" StencilVersion="0.1"/>
+  <Id Name="System.Storyboarding.WindowsPhone.Notification" Revision="1" Stencil="System.Storyboarding.WindowsPhone" StencilVersion="0.1"/>
 </Control>
 </file>
 
 <file path=customXml/item14.xml><?xml version="1.0" encoding="utf-8"?>
 <Control xmlns="http://schemas.microsoft.com/VisualStudio/2011/storyboarding/control">
-  <Id Name="System.Storyboarding.Annotation.CallOut" Revision="1" Stencil="System.Storyboarding.Annotation" StencilVersion="0.1"/>
+  <Id Name="System.Storyboarding.Annotation.StickyNote" Revision="1" Stencil="System.Storyboarding.Annotation" StencilVersion="0.1"/>
 </Control>
 </file>
 
 <file path=customXml/item15.xml><?xml version="1.0" encoding="utf-8"?>
 <Control xmlns="http://schemas.microsoft.com/VisualStudio/2011/storyboarding/control">
-  <Id Name="System.Storyboarding.Icons.User" Revision="1" Stencil="System.Storyboarding.Icons" StencilVersion="0.1"/>
+  <Id Name="System.Storyboarding.Backgrounds.DesktopTaskbar" Revision="1" Stencil="System.Storyboarding.Backgrounds" StencilVersion="0.1"/>
 </Control>
 </file>
 
@@ -37049,73 +37778,73 @@
 
 <file path=customXml/item17.xml><?xml version="1.0" encoding="utf-8"?>
 <Control xmlns="http://schemas.microsoft.com/VisualStudio/2011/storyboarding/control">
-  <Id Name="System.Storyboarding.WindowsApps.WindowsAppsEditBox" Revision="1" Stencil="System.Storyboarding.WindowsApps" StencilVersion="0.1"/>
+  <Id Name="System.Storyboarding.Common.Button" Revision="1" Stencil="System.Storyboarding.Common" StencilVersion="0.1"/>
 </Control>
 </file>
 
 <file path=customXml/item18.xml><?xml version="1.0" encoding="utf-8"?>
 <Control xmlns="http://schemas.microsoft.com/VisualStudio/2011/storyboarding/control">
-  <Id Name="System.Storyboarding.Icons.User" Revision="1" Stencil="System.Storyboarding.Icons" StencilVersion="0.1"/>
+  <Id Name="System.Storyboarding.Annotation.CallOut" Revision="1" Stencil="System.Storyboarding.Annotation" StencilVersion="0.1"/>
 </Control>
 </file>
 
 <file path=customXml/item19.xml><?xml version="1.0" encoding="utf-8"?>
 <Control xmlns="http://schemas.microsoft.com/VisualStudio/2011/storyboarding/control">
-  <Id Name="System.Storyboarding.Common.Button" Revision="1" Stencil="System.Storyboarding.Common" StencilVersion="0.1"/>
+  <Id Name="System.Storyboarding.WindowsPhone.Notification" Revision="1" Stencil="System.Storyboarding.WindowsPhone" StencilVersion="0.1"/>
 </Control>
 </file>
 
 <file path=customXml/item2.xml><?xml version="1.0" encoding="utf-8"?>
 <Control xmlns="http://schemas.microsoft.com/VisualStudio/2011/storyboarding/control">
-  <Id Name="System.Storyboarding.Icons.FolderOpen" Revision="1" Stencil="System.Storyboarding.Icons" StencilVersion="0.1"/>
+  <Id Name="System.Storyboarding.WindowsDesktop.TreeList" Revision="1" Stencil="System.Storyboarding.WindowsDesktop" StencilVersion="0.1"/>
 </Control>
 </file>
 
 <file path=customXml/item20.xml><?xml version="1.0" encoding="utf-8"?>
 <Control xmlns="http://schemas.microsoft.com/VisualStudio/2011/storyboarding/control">
-  <Id Name="System.Storyboarding.Common.TextArea" Revision="1" Stencil="System.Storyboarding.Common" StencilVersion="0.1"/>
+  <Id Name="System.Storyboarding.Backgrounds.WebBrowser" Revision="1" Stencil="System.Storyboarding.Backgrounds" StencilVersion="0.1"/>
 </Control>
 </file>
 
 <file path=customXml/item21.xml><?xml version="1.0" encoding="utf-8"?>
 <Control xmlns="http://schemas.microsoft.com/VisualStudio/2011/storyboarding/control">
-  <Id Name="System.Storyboarding.WindowsApps.WindowsAppsTileMedium" Revision="1" Stencil="System.Storyboarding.WindowsApps" StencilVersion="0.1"/>
+  <Id Name="System.Storyboarding.Icons.HandPointer" Revision="1" Stencil="System.Storyboarding.Icons" StencilVersion="0.1"/>
 </Control>
 </file>
 
 <file path=customXml/item22.xml><?xml version="1.0" encoding="utf-8"?>
 <Control xmlns="http://schemas.microsoft.com/VisualStudio/2011/storyboarding/control">
-  <Id Name="System.Storyboarding.WindowsPhone.Notification" Revision="1" Stencil="System.Storyboarding.WindowsPhone" StencilVersion="0.1"/>
+  <Id Name="System.Storyboarding.Icons.User" Revision="1" Stencil="System.Storyboarding.Icons" StencilVersion="0.1"/>
 </Control>
 </file>
 
 <file path=customXml/item23.xml><?xml version="1.0" encoding="utf-8"?>
 <Control xmlns="http://schemas.microsoft.com/VisualStudio/2011/storyboarding/control">
-  <Id Name="System.Storyboarding.Backgrounds.WebBrowser" Revision="1" Stencil="System.Storyboarding.Backgrounds" StencilVersion="0.1"/>
+  <Id Name="System.Storyboarding.Common.Button" Revision="1" Stencil="System.Storyboarding.Common" StencilVersion="0.1"/>
 </Control>
 </file>
 
 <file path=customXml/item24.xml><?xml version="1.0" encoding="utf-8"?>
 <Control xmlns="http://schemas.microsoft.com/VisualStudio/2011/storyboarding/control">
-  <Id Name="System.Storyboarding.Backgrounds.DesktopTaskbar" Revision="1" Stencil="System.Storyboarding.Backgrounds" StencilVersion="0.1"/>
+  <Id Name="System.Storyboarding.WindowsAppIcons.List" Revision="1" Stencil="System.Storyboarding.WindowsAppIcons" StencilVersion="0.1"/>
 </Control>
 </file>
 
 <file path=customXml/item25.xml><?xml version="1.0" encoding="utf-8"?>
 <Control xmlns="http://schemas.microsoft.com/VisualStudio/2011/storyboarding/control">
-  <Id Name="System.Storyboarding.WindowsDesktop.TreeList" Revision="1" Stencil="System.Storyboarding.WindowsDesktop" StencilVersion="0.1"/>
+  <Id Name="System.Storyboarding.Common.TextArea" Revision="1" Stencil="System.Storyboarding.Common" StencilVersion="0.1"/>
 </Control>
 </file>
 
 <file path=customXml/item26.xml><?xml version="1.0" encoding="utf-8"?>
 <Control xmlns="http://schemas.microsoft.com/VisualStudio/2011/storyboarding/control">
-  <Id Name="System.Storyboarding.WindowsAppIcons.List" Revision="1" Stencil="System.Storyboarding.WindowsAppIcons" StencilVersion="0.1"/>
+  <Id Name="System.Storyboarding.Backgrounds.DesktopTaskbar" Revision="1" Stencil="System.Storyboarding.Backgrounds" StencilVersion="0.1"/>
 </Control>
 </file>
 
 <file path=customXml/item27.xml><?xml version="1.0" encoding="utf-8"?>
 <Control xmlns="http://schemas.microsoft.com/VisualStudio/2011/storyboarding/control">
-  <Id Name="System.Storyboarding.Backgrounds.WebBrowser" Revision="1" Stencil="System.Storyboarding.Backgrounds" StencilVersion="0.1"/>
+  <Id Name="System.Storyboarding.WindowsPhoneIcons.Check" Revision="1" Stencil="System.Storyboarding.WindowsPhoneIcons" StencilVersion="0.1"/>
 </Control>
 </file>
 
@@ -37127,31 +37856,31 @@
 
 <file path=customXml/item29.xml><?xml version="1.0" encoding="utf-8"?>
 <Control xmlns="http://schemas.microsoft.com/VisualStudio/2011/storyboarding/control">
-  <Id Name="System.Storyboarding.Backgrounds.WebBrowser" Revision="1" Stencil="System.Storyboarding.Backgrounds" StencilVersion="0.1"/>
+  <Id Name="System.Storyboarding.WindowsApps.WindowsAppsTileMedium" Revision="1" Stencil="System.Storyboarding.WindowsApps" StencilVersion="0.1"/>
 </Control>
 </file>
 
 <file path=customXml/item3.xml><?xml version="1.0" encoding="utf-8"?>
 <Control xmlns="http://schemas.microsoft.com/VisualStudio/2011/storyboarding/control">
-  <Id Name="System.Storyboarding.WindowsApps.WindowsAppsTileMedium" Revision="1" Stencil="System.Storyboarding.WindowsApps" StencilVersion="0.1"/>
+  <Id Name="System.Storyboarding.Backgrounds.DesktopTaskbar" Revision="1" Stencil="System.Storyboarding.Backgrounds" StencilVersion="0.1"/>
 </Control>
 </file>
 
 <file path=customXml/item30.xml><?xml version="1.0" encoding="utf-8"?>
 <Control xmlns="http://schemas.microsoft.com/VisualStudio/2011/storyboarding/control">
-  <Id Name="System.Storyboarding.Icons.HandPointer" Revision="1" Stencil="System.Storyboarding.Icons" StencilVersion="0.1"/>
+  <Id Name="System.Storyboarding.Icons.User" Revision="1" Stencil="System.Storyboarding.Icons" StencilVersion="0.1"/>
 </Control>
 </file>
 
 <file path=customXml/item31.xml><?xml version="1.0" encoding="utf-8"?>
 <Control xmlns="http://schemas.microsoft.com/VisualStudio/2011/storyboarding/control">
-  <Id Name="System.Storyboarding.Backgrounds.DesktopTaskbar" Revision="1" Stencil="System.Storyboarding.Backgrounds" StencilVersion="0.1"/>
+  <Id Name="System.Storyboarding.WindowsApps.WindowsAppsEditBox" Revision="1" Stencil="System.Storyboarding.WindowsApps" StencilVersion="0.1"/>
 </Control>
 </file>
 
 <file path=customXml/item32.xml><?xml version="1.0" encoding="utf-8"?>
 <Control xmlns="http://schemas.microsoft.com/VisualStudio/2011/storyboarding/control">
-  <Id Name="System.Storyboarding.Common.ScrollbarVertical" Revision="1" Stencil="System.Storyboarding.Common" StencilVersion="0.1"/>
+  <Id Name="System.Storyboarding.WindowsDesktop.TreeList" Revision="1" Stencil="System.Storyboarding.WindowsDesktop" StencilVersion="0.1"/>
 </Control>
 </file>
 
@@ -37169,19 +37898,19 @@
 
 <file path=customXml/item35.xml><?xml version="1.0" encoding="utf-8"?>
 <Control xmlns="http://schemas.microsoft.com/VisualStudio/2011/storyboarding/control">
-  <Id Name="System.Storyboarding.Icons.User" Revision="1" Stencil="System.Storyboarding.Icons" StencilVersion="0.1"/>
+  <Id Name="System.Storyboarding.Common.Button" Revision="1" Stencil="System.Storyboarding.Common" StencilVersion="0.1"/>
 </Control>
 </file>
 
 <file path=customXml/item36.xml><?xml version="1.0" encoding="utf-8"?>
 <Control xmlns="http://schemas.microsoft.com/VisualStudio/2011/storyboarding/control">
-  <Id Name="System.Storyboarding.WindowsApps.WindowsAppsTileMedium" Revision="1" Stencil="System.Storyboarding.WindowsApps" StencilVersion="0.1"/>
+  <Id Name="System.Storyboarding.WindowsApps.WindowsAppsEditBox" Revision="1" Stencil="System.Storyboarding.WindowsApps" StencilVersion="0.1"/>
 </Control>
 </file>
 
 <file path=customXml/item37.xml><?xml version="1.0" encoding="utf-8"?>
 <Control xmlns="http://schemas.microsoft.com/VisualStudio/2011/storyboarding/control">
-  <Id Name="System.Storyboarding.Backgrounds.WebBrowser" Revision="1" Stencil="System.Storyboarding.Backgrounds" StencilVersion="0.1"/>
+  <Id Name="System.Storyboarding.Common.TextArea" Revision="1" Stencil="System.Storyboarding.Common" StencilVersion="0.1"/>
 </Control>
 </file>
 
@@ -37193,91 +37922,91 @@
 
 <file path=customXml/item39.xml><?xml version="1.0" encoding="utf-8"?>
 <Control xmlns="http://schemas.microsoft.com/VisualStudio/2011/storyboarding/control">
-  <Id Name="System.Storyboarding.Backgrounds.WebBrowser" Revision="1" Stencil="System.Storyboarding.Backgrounds" StencilVersion="0.1"/>
+  <Id Name="System.Storyboarding.Backgrounds.DesktopTaskbar" Revision="1" Stencil="System.Storyboarding.Backgrounds" StencilVersion="0.1"/>
 </Control>
 </file>
 
 <file path=customXml/item4.xml><?xml version="1.0" encoding="utf-8"?>
 <Control xmlns="http://schemas.microsoft.com/VisualStudio/2011/storyboarding/control">
-  <Id Name="System.Storyboarding.Common.ScrollbarVertical" Revision="1" Stencil="System.Storyboarding.Common" StencilVersion="0.1"/>
+  <Id Name="System.Storyboarding.WindowsDesktop.VerticalSplitter" Revision="1" Stencil="System.Storyboarding.WindowsDesktop" StencilVersion="0.1"/>
 </Control>
 </file>
 
 <file path=customXml/item40.xml><?xml version="1.0" encoding="utf-8"?>
 <Control xmlns="http://schemas.microsoft.com/VisualStudio/2011/storyboarding/control">
-  <Id Name="System.Storyboarding.WindowsDesktop.TreeList" Revision="1" Stencil="System.Storyboarding.WindowsDesktop" StencilVersion="0.1"/>
+  <Id Name="System.Storyboarding.Icons.Play" Revision="1" Stencil="System.Storyboarding.Icons" StencilVersion="0.1"/>
 </Control>
 </file>
 
 <file path=customXml/item41.xml><?xml version="1.0" encoding="utf-8"?>
 <Control xmlns="http://schemas.microsoft.com/VisualStudio/2011/storyboarding/control">
-  <Id Name="System.Storyboarding.Icons.User" Revision="1" Stencil="System.Storyboarding.Icons" StencilVersion="0.1"/>
+  <Id Name="System.Storyboarding.WindowsAppIcons.List" Revision="1" Stencil="System.Storyboarding.WindowsAppIcons" StencilVersion="0.1"/>
 </Control>
 </file>
 
 <file path=customXml/item42.xml><?xml version="1.0" encoding="utf-8"?>
 <Control xmlns="http://schemas.microsoft.com/VisualStudio/2011/storyboarding/control">
-  <Id Name="System.Storyboarding.WindowsDesktop.TreeList" Revision="1" Stencil="System.Storyboarding.WindowsDesktop" StencilVersion="0.1"/>
+  <Id Name="System.Storyboarding.Icons.User" Revision="1" Stencil="System.Storyboarding.Icons" StencilVersion="0.1"/>
 </Control>
 </file>
 
 <file path=customXml/item43.xml><?xml version="1.0" encoding="utf-8"?>
 <Control xmlns="http://schemas.microsoft.com/VisualStudio/2011/storyboarding/control">
-  <Id Name="System.Storyboarding.Common.Button" Revision="1" Stencil="System.Storyboarding.Common" StencilVersion="0.1"/>
+  <Id Name="System.Storyboarding.Icons.User" Revision="1" Stencil="System.Storyboarding.Icons" StencilVersion="0.1"/>
 </Control>
 </file>
 
 <file path=customXml/item44.xml><?xml version="1.0" encoding="utf-8"?>
 <Control xmlns="http://schemas.microsoft.com/VisualStudio/2011/storyboarding/control">
-  <Id Name="System.Storyboarding.WindowsAppIcons.List" Revision="1" Stencil="System.Storyboarding.WindowsAppIcons" StencilVersion="0.1"/>
+  <Id Name="System.Storyboarding.Backgrounds.WebBrowser" Revision="1" Stencil="System.Storyboarding.Backgrounds" StencilVersion="0.1"/>
 </Control>
 </file>
 
 <file path=customXml/item45.xml><?xml version="1.0" encoding="utf-8"?>
 <Control xmlns="http://schemas.microsoft.com/VisualStudio/2011/storyboarding/control">
-  <Id Name="System.Storyboarding.WindowsApps.WindowsAppsButton" Revision="1" Stencil="System.Storyboarding.WindowsApps" StencilVersion="0.1"/>
+  <Id Name="System.Storyboarding.Backgrounds.DesktopTaskbar" Revision="1" Stencil="System.Storyboarding.Backgrounds" StencilVersion="0.1"/>
 </Control>
 </file>
 
 <file path=customXml/item46.xml><?xml version="1.0" encoding="utf-8"?>
 <Control xmlns="http://schemas.microsoft.com/VisualStudio/2011/storyboarding/control">
-  <Id Name="System.Storyboarding.Common.Button" Revision="1" Stencil="System.Storyboarding.Common" StencilVersion="0.1"/>
+  <Id Name="System.Storyboarding.WindowsApps.WindowsAppsTileMedium" Revision="1" Stencil="System.Storyboarding.WindowsApps" StencilVersion="0.1"/>
 </Control>
 </file>
 
 <file path=customXml/item47.xml><?xml version="1.0" encoding="utf-8"?>
 <Control xmlns="http://schemas.microsoft.com/VisualStudio/2011/storyboarding/control">
-  <Id Name="System.Storyboarding.Backgrounds.DesktopTaskbar" Revision="1" Stencil="System.Storyboarding.Backgrounds" StencilVersion="0.1"/>
+  <Id Name="System.Storyboarding.WindowsApps.WindowsAppsButton" Revision="1" Stencil="System.Storyboarding.WindowsApps" StencilVersion="0.1"/>
 </Control>
 </file>
 
 <file path=customXml/item48.xml><?xml version="1.0" encoding="utf-8"?>
 <Control xmlns="http://schemas.microsoft.com/VisualStudio/2011/storyboarding/control">
-  <Id Name="System.Storyboarding.WindowsAppIcons.List" Revision="1" Stencil="System.Storyboarding.WindowsAppIcons" StencilVersion="0.1"/>
+  <Id Name="System.Storyboarding.Backgrounds.WebBrowser" Revision="1" Stencil="System.Storyboarding.Backgrounds" StencilVersion="0.1"/>
 </Control>
 </file>
 
 <file path=customXml/item49.xml><?xml version="1.0" encoding="utf-8"?>
 <Control xmlns="http://schemas.microsoft.com/VisualStudio/2011/storyboarding/control">
-  <Id Name="System.Storyboarding.WindowsApps.WindowsAppsButton" Revision="1" Stencil="System.Storyboarding.WindowsApps" StencilVersion="0.1"/>
+  <Id Name="System.Storyboarding.Backgrounds.WebBrowser" Revision="1" Stencil="System.Storyboarding.Backgrounds" StencilVersion="0.1"/>
 </Control>
 </file>
 
 <file path=customXml/item5.xml><?xml version="1.0" encoding="utf-8"?>
 <Control xmlns="http://schemas.microsoft.com/VisualStudio/2011/storyboarding/control">
-  <Id Name="System.Storyboarding.Backgrounds.DesktopTaskbar" Revision="1" Stencil="System.Storyboarding.Backgrounds" StencilVersion="0.1"/>
+  <Id Name="System.Storyboarding.WindowsAppIcons.List" Revision="1" Stencil="System.Storyboarding.WindowsAppIcons" StencilVersion="0.1"/>
 </Control>
 </file>
 
 <file path=customXml/item50.xml><?xml version="1.0" encoding="utf-8"?>
 <Control xmlns="http://schemas.microsoft.com/VisualStudio/2011/storyboarding/control">
-  <Id Name="System.Storyboarding.WindowsAppIcons.List" Revision="1" Stencil="System.Storyboarding.WindowsAppIcons" StencilVersion="0.1"/>
+  <Id Name="System.Storyboarding.Backgrounds.DesktopTaskbar" Revision="1" Stencil="System.Storyboarding.Backgrounds" StencilVersion="0.1"/>
 </Control>
 </file>
 
 <file path=customXml/item51.xml><?xml version="1.0" encoding="utf-8"?>
 <Control xmlns="http://schemas.microsoft.com/VisualStudio/2011/storyboarding/control">
-  <Id Name="System.Storyboarding.Backgrounds.DesktopTaskbar" Revision="1" Stencil="System.Storyboarding.Backgrounds" StencilVersion="0.1"/>
+  <Id Name="System.Storyboarding.WindowsAppIcons.List" Revision="1" Stencil="System.Storyboarding.WindowsAppIcons" StencilVersion="0.1"/>
 </Control>
 </file>
 
@@ -37289,25 +38018,25 @@
 
 <file path=customXml/item53.xml><?xml version="1.0" encoding="utf-8"?>
 <Control xmlns="http://schemas.microsoft.com/VisualStudio/2011/storyboarding/control">
-  <Id Name="System.Storyboarding.Icons.User" Revision="1" Stencil="System.Storyboarding.Icons" StencilVersion="0.1"/>
+  <Id Name="System.Storyboarding.WindowsAppIcons.Check" Revision="1" Stencil="System.Storyboarding.WindowsAppIcons" StencilVersion="0.1"/>
 </Control>
 </file>
 
 <file path=customXml/item54.xml><?xml version="1.0" encoding="utf-8"?>
 <Control xmlns="http://schemas.microsoft.com/VisualStudio/2011/storyboarding/control">
-  <Id Name="System.Storyboarding.Backgrounds.DesktopTaskbar" Revision="1" Stencil="System.Storyboarding.Backgrounds" StencilVersion="0.1"/>
+  <Id Name="System.Storyboarding.Annotation.StickyNote" Revision="1" Stencil="System.Storyboarding.Annotation" StencilVersion="0.1"/>
 </Control>
 </file>
 
 <file path=customXml/item55.xml><?xml version="1.0" encoding="utf-8"?>
 <Control xmlns="http://schemas.microsoft.com/VisualStudio/2011/storyboarding/control">
-  <Id Name="System.Storyboarding.WindowsAppIcons.List" Revision="1" Stencil="System.Storyboarding.WindowsAppIcons" StencilVersion="0.1"/>
+  <Id Name="System.Storyboarding.Common.ScrollbarVertical" Revision="1" Stencil="System.Storyboarding.Common" StencilVersion="0.1"/>
 </Control>
 </file>
 
 <file path=customXml/item56.xml><?xml version="1.0" encoding="utf-8"?>
 <Control xmlns="http://schemas.microsoft.com/VisualStudio/2011/storyboarding/control">
-  <Id Name="System.Storyboarding.Common.TextArea" Revision="1" Stencil="System.Storyboarding.Common" StencilVersion="0.1"/>
+  <Id Name="System.Storyboarding.WindowsAppIcons.List" Revision="1" Stencil="System.Storyboarding.WindowsAppIcons" StencilVersion="0.1"/>
 </Control>
 </file>
 
@@ -37319,25 +38048,25 @@
 
 <file path=customXml/item58.xml><?xml version="1.0" encoding="utf-8"?>
 <Control xmlns="http://schemas.microsoft.com/VisualStudio/2011/storyboarding/control">
-  <Id Name="System.Storyboarding.WindowsPhone.Notification" Revision="1" Stencil="System.Storyboarding.WindowsPhone" StencilVersion="0.1"/>
+  <Id Name="System.Storyboarding.Icons.User" Revision="1" Stencil="System.Storyboarding.Icons" StencilVersion="0.1"/>
 </Control>
 </file>
 
 <file path=customXml/item59.xml><?xml version="1.0" encoding="utf-8"?>
 <Control xmlns="http://schemas.microsoft.com/VisualStudio/2011/storyboarding/control">
-  <Id Name="System.Storyboarding.WindowsApps.WindowsAppsEditBox" Revision="1" Stencil="System.Storyboarding.WindowsApps" StencilVersion="0.1"/>
+  <Id Name="System.Storyboarding.Backgrounds.WebBrowser" Revision="1" Stencil="System.Storyboarding.Backgrounds" StencilVersion="0.1"/>
 </Control>
 </file>
 
 <file path=customXml/item6.xml><?xml version="1.0" encoding="utf-8"?>
 <Control xmlns="http://schemas.microsoft.com/VisualStudio/2011/storyboarding/control">
-  <Id Name="System.Storyboarding.Icons.User" Revision="1" Stencil="System.Storyboarding.Icons" StencilVersion="0.1"/>
+  <Id Name="System.Storyboarding.WindowsApps.WindowsAppsButton" Revision="1" Stencil="System.Storyboarding.WindowsApps" StencilVersion="0.1"/>
 </Control>
 </file>
 
 <file path=customXml/item60.xml><?xml version="1.0" encoding="utf-8"?>
 <Control xmlns="http://schemas.microsoft.com/VisualStudio/2011/storyboarding/control">
-  <Id Name="System.Storyboarding.WindowsAppIcons.Check" Revision="1" Stencil="System.Storyboarding.WindowsAppIcons" StencilVersion="0.1"/>
+  <Id Name="System.Storyboarding.Icons.User" Revision="1" Stencil="System.Storyboarding.Icons" StencilVersion="0.1"/>
 </Control>
 </file>
 
@@ -37349,29 +38078,47 @@
 
 <file path=customXml/item62.xml><?xml version="1.0" encoding="utf-8"?>
 <Control xmlns="http://schemas.microsoft.com/VisualStudio/2011/storyboarding/control">
-  <Id Name="System.Storyboarding.Icons.Play" Revision="1" Stencil="System.Storyboarding.Icons" StencilVersion="0.1"/>
+  <Id Name="System.Storyboarding.WindowsAppIcons.List" Revision="1" Stencil="System.Storyboarding.WindowsAppIcons" StencilVersion="0.1"/>
 </Control>
 </file>
 
 <file path=customXml/item63.xml><?xml version="1.0" encoding="utf-8"?>
 <Control xmlns="http://schemas.microsoft.com/VisualStudio/2011/storyboarding/control">
-  <Id Name="System.Storyboarding.WindowsDesktop.VerticalSplitter" Revision="1" Stencil="System.Storyboarding.WindowsDesktop" StencilVersion="0.1"/>
+  <Id Name="System.Storyboarding.Backgrounds.WebBrowser" Revision="1" Stencil="System.Storyboarding.Backgrounds" StencilVersion="0.1"/>
 </Control>
 </file>
 
 <file path=customXml/item64.xml><?xml version="1.0" encoding="utf-8"?>
 <Control xmlns="http://schemas.microsoft.com/VisualStudio/2011/storyboarding/control">
-  <Id Name="System.Storyboarding.Backgrounds.DesktopTaskbar" Revision="1" Stencil="System.Storyboarding.Backgrounds" StencilVersion="0.1"/>
+  <Id Name="System.Storyboarding.Icons.FolderOpen" Revision="1" Stencil="System.Storyboarding.Icons" StencilVersion="0.1"/>
 </Control>
 </file>
 
 <file path=customXml/item65.xml><?xml version="1.0" encoding="utf-8"?>
 <Control xmlns="http://schemas.microsoft.com/VisualStudio/2011/storyboarding/control">
-  <Id Name="System.Storyboarding.Annotation.StickyNote" Revision="1" Stencil="System.Storyboarding.Annotation" StencilVersion="0.1"/>
+  <Id Name="System.Storyboarding.Backgrounds.WebBrowser" Revision="1" Stencil="System.Storyboarding.Backgrounds" StencilVersion="0.1"/>
 </Control>
 </file>
 
 <file path=customXml/item66.xml><?xml version="1.0" encoding="utf-8"?>
+<Control xmlns="http://schemas.microsoft.com/VisualStudio/2011/storyboarding/control">
+  <Id Name="System.Storyboarding.WindowsAppIcons.List" Revision="1" Stencil="System.Storyboarding.WindowsAppIcons" StencilVersion="0.1"/>
+</Control>
+</file>
+
+<file path=customXml/item67.xml><?xml version="1.0" encoding="utf-8"?>
+<Control xmlns="http://schemas.microsoft.com/VisualStudio/2011/storyboarding/control">
+  <Id Name="System.Storyboarding.WindowsAppIcons.List" Revision="1" Stencil="System.Storyboarding.WindowsAppIcons" StencilVersion="0.1"/>
+</Control>
+</file>
+
+<file path=customXml/item68.xml><?xml version="1.0" encoding="utf-8"?>
+<Control xmlns="http://schemas.microsoft.com/VisualStudio/2011/storyboarding/control">
+  <Id Name="System.Storyboarding.Icons.User" Revision="1" Stencil="System.Storyboarding.Icons" StencilVersion="0.1"/>
+</Control>
+</file>
+
+<file path=customXml/item69.xml><?xml version="1.0" encoding="utf-8"?>
 <Control xmlns="http://schemas.microsoft.com/VisualStudio/2011/storyboarding/control">
   <Id Name="System.Storyboarding.Annotation.StickyNote" Revision="1" Stencil="System.Storyboarding.Annotation" StencilVersion="0.1"/>
 </Control>
@@ -37379,24 +38126,24 @@
 
 <file path=customXml/item7.xml><?xml version="1.0" encoding="utf-8"?>
 <Control xmlns="http://schemas.microsoft.com/VisualStudio/2011/storyboarding/control">
-  <Id Name="System.Storyboarding.Backgrounds.WebBrowser" Revision="1" Stencil="System.Storyboarding.Backgrounds" StencilVersion="0.1"/>
+  <Id Name="System.Storyboarding.Backgrounds.DesktopTaskbar" Revision="1" Stencil="System.Storyboarding.Backgrounds" StencilVersion="0.1"/>
 </Control>
 </file>
 
 <file path=customXml/item8.xml><?xml version="1.0" encoding="utf-8"?>
 <Control xmlns="http://schemas.microsoft.com/VisualStudio/2011/storyboarding/control">
-  <Id Name="System.Storyboarding.WindowsPhoneIcons.Check" Revision="1" Stencil="System.Storyboarding.WindowsPhoneIcons" StencilVersion="0.1"/>
+  <Id Name="System.Storyboarding.Common.ScrollbarVertical" Revision="1" Stencil="System.Storyboarding.Common" StencilVersion="0.1"/>
 </Control>
 </file>
 
 <file path=customXml/item9.xml><?xml version="1.0" encoding="utf-8"?>
 <Control xmlns="http://schemas.microsoft.com/VisualStudio/2011/storyboarding/control">
-  <Id Name="System.Storyboarding.WindowsAppIcons.List" Revision="1" Stencil="System.Storyboarding.WindowsAppIcons" StencilVersion="0.1"/>
+  <Id Name="System.Storyboarding.Backgrounds.WebBrowser" Revision="1" Stencil="System.Storyboarding.Backgrounds" StencilVersion="0.1"/>
 </Control>
 </file>
 
 <file path=customXml/itemProps1.xml><?xml version="1.0" encoding="utf-8"?>
-<ds:datastoreItem xmlns:ds="http://schemas.openxmlformats.org/officeDocument/2006/customXml" ds:itemID="{4F21B70E-A94C-4790-A652-B636D5EFC3B0}">
+<ds:datastoreItem xmlns:ds="http://schemas.openxmlformats.org/officeDocument/2006/customXml" ds:itemID="{FCE62918-FFFF-4EB0-B0AD-CDBA5B22DA6E}">
   <ds:schemaRefs>
     <ds:schemaRef ds:uri="http://schemas.microsoft.com/VisualStudio/2011/storyboarding/control"/>
   </ds:schemaRefs>
@@ -37404,7 +38151,7 @@
 </file>
 
 <file path=customXml/itemProps10.xml><?xml version="1.0" encoding="utf-8"?>
-<ds:datastoreItem xmlns:ds="http://schemas.openxmlformats.org/officeDocument/2006/customXml" ds:itemID="{BA716B48-F792-45D1-9D56-A90343D3B8D6}">
+<ds:datastoreItem xmlns:ds="http://schemas.openxmlformats.org/officeDocument/2006/customXml" ds:itemID="{5895D23A-F537-4688-982D-D515659677ED}">
   <ds:schemaRefs>
     <ds:schemaRef ds:uri="http://schemas.microsoft.com/VisualStudio/2011/storyboarding/control"/>
   </ds:schemaRefs>
@@ -37412,7 +38159,7 @@
 </file>
 
 <file path=customXml/itemProps11.xml><?xml version="1.0" encoding="utf-8"?>
-<ds:datastoreItem xmlns:ds="http://schemas.openxmlformats.org/officeDocument/2006/customXml" ds:itemID="{AD143AEC-0E1D-4289-9437-D0C60EEAC756}">
+<ds:datastoreItem xmlns:ds="http://schemas.openxmlformats.org/officeDocument/2006/customXml" ds:itemID="{3D77DF27-5C86-4F36-850D-516D3273C19B}">
   <ds:schemaRefs>
     <ds:schemaRef ds:uri="http://schemas.microsoft.com/VisualStudio/2011/storyboarding/control"/>
   </ds:schemaRefs>
@@ -37420,6 +38167,166 @@
 </file>
 
 <file path=customXml/itemProps12.xml><?xml version="1.0" encoding="utf-8"?>
+<ds:datastoreItem xmlns:ds="http://schemas.openxmlformats.org/officeDocument/2006/customXml" ds:itemID="{B79283A9-CF1B-4863-AC5B-DDE8E7EAF3D5}">
+  <ds:schemaRefs>
+    <ds:schemaRef ds:uri="http://schemas.microsoft.com/VisualStudio/2011/storyboarding/control"/>
+  </ds:schemaRefs>
+</ds:datastoreItem>
+</file>
+
+<file path=customXml/itemProps13.xml><?xml version="1.0" encoding="utf-8"?>
+<ds:datastoreItem xmlns:ds="http://schemas.openxmlformats.org/officeDocument/2006/customXml" ds:itemID="{BE6727CF-D2A1-4D4B-A26F-0AD570089289}">
+  <ds:schemaRefs>
+    <ds:schemaRef ds:uri="http://schemas.microsoft.com/VisualStudio/2011/storyboarding/control"/>
+  </ds:schemaRefs>
+</ds:datastoreItem>
+</file>
+
+<file path=customXml/itemProps14.xml><?xml version="1.0" encoding="utf-8"?>
+<ds:datastoreItem xmlns:ds="http://schemas.openxmlformats.org/officeDocument/2006/customXml" ds:itemID="{41A263EC-51F4-4A02-908F-9AE94458D8BE}">
+  <ds:schemaRefs>
+    <ds:schemaRef ds:uri="http://schemas.microsoft.com/VisualStudio/2011/storyboarding/control"/>
+  </ds:schemaRefs>
+</ds:datastoreItem>
+</file>
+
+<file path=customXml/itemProps15.xml><?xml version="1.0" encoding="utf-8"?>
+<ds:datastoreItem xmlns:ds="http://schemas.openxmlformats.org/officeDocument/2006/customXml" ds:itemID="{40F5FB0B-8E57-4009-BF8C-407479DF989C}">
+  <ds:schemaRefs>
+    <ds:schemaRef ds:uri="http://schemas.microsoft.com/VisualStudio/2011/storyboarding/control"/>
+  </ds:schemaRefs>
+</ds:datastoreItem>
+</file>
+
+<file path=customXml/itemProps16.xml><?xml version="1.0" encoding="utf-8"?>
+<ds:datastoreItem xmlns:ds="http://schemas.openxmlformats.org/officeDocument/2006/customXml" ds:itemID="{E96E7730-E1B9-4C4A-BD09-57F8F455ED86}">
+  <ds:schemaRefs>
+    <ds:schemaRef ds:uri="http://schemas.microsoft.com/VisualStudio/2011/storyboarding/control"/>
+  </ds:schemaRefs>
+</ds:datastoreItem>
+</file>
+
+<file path=customXml/itemProps17.xml><?xml version="1.0" encoding="utf-8"?>
+<ds:datastoreItem xmlns:ds="http://schemas.openxmlformats.org/officeDocument/2006/customXml" ds:itemID="{3EBA24D5-C8BD-489A-9F71-6BC2A277745F}">
+  <ds:schemaRefs>
+    <ds:schemaRef ds:uri="http://schemas.microsoft.com/VisualStudio/2011/storyboarding/control"/>
+  </ds:schemaRefs>
+</ds:datastoreItem>
+</file>
+
+<file path=customXml/itemProps18.xml><?xml version="1.0" encoding="utf-8"?>
+<ds:datastoreItem xmlns:ds="http://schemas.openxmlformats.org/officeDocument/2006/customXml" ds:itemID="{8D63884E-C154-48A3-9920-942354968BB9}">
+  <ds:schemaRefs>
+    <ds:schemaRef ds:uri="http://schemas.microsoft.com/VisualStudio/2011/storyboarding/control"/>
+  </ds:schemaRefs>
+</ds:datastoreItem>
+</file>
+
+<file path=customXml/itemProps19.xml><?xml version="1.0" encoding="utf-8"?>
+<ds:datastoreItem xmlns:ds="http://schemas.openxmlformats.org/officeDocument/2006/customXml" ds:itemID="{04DFC261-9BEE-4E4E-885F-9E7CFF060130}">
+  <ds:schemaRefs>
+    <ds:schemaRef ds:uri="http://schemas.microsoft.com/VisualStudio/2011/storyboarding/control"/>
+  </ds:schemaRefs>
+</ds:datastoreItem>
+</file>
+
+<file path=customXml/itemProps2.xml><?xml version="1.0" encoding="utf-8"?>
+<ds:datastoreItem xmlns:ds="http://schemas.openxmlformats.org/officeDocument/2006/customXml" ds:itemID="{26D3E6AB-8B95-4D86-BFCF-73E67477F79E}">
+  <ds:schemaRefs>
+    <ds:schemaRef ds:uri="http://schemas.microsoft.com/VisualStudio/2011/storyboarding/control"/>
+  </ds:schemaRefs>
+</ds:datastoreItem>
+</file>
+
+<file path=customXml/itemProps20.xml><?xml version="1.0" encoding="utf-8"?>
+<ds:datastoreItem xmlns:ds="http://schemas.openxmlformats.org/officeDocument/2006/customXml" ds:itemID="{6D4927ED-DD4E-4439-A1CB-BBCCD9C23313}">
+  <ds:schemaRefs>
+    <ds:schemaRef ds:uri="http://schemas.microsoft.com/VisualStudio/2011/storyboarding/control"/>
+  </ds:schemaRefs>
+</ds:datastoreItem>
+</file>
+
+<file path=customXml/itemProps21.xml><?xml version="1.0" encoding="utf-8"?>
+<ds:datastoreItem xmlns:ds="http://schemas.openxmlformats.org/officeDocument/2006/customXml" ds:itemID="{2FFC1171-B585-4226-956C-A248EA30F16D}">
+  <ds:schemaRefs>
+    <ds:schemaRef ds:uri="http://schemas.microsoft.com/VisualStudio/2011/storyboarding/control"/>
+  </ds:schemaRefs>
+</ds:datastoreItem>
+</file>
+
+<file path=customXml/itemProps22.xml><?xml version="1.0" encoding="utf-8"?>
+<ds:datastoreItem xmlns:ds="http://schemas.openxmlformats.org/officeDocument/2006/customXml" ds:itemID="{9E438C9D-FC99-4D97-B670-8DCB5F9DED65}">
+  <ds:schemaRefs>
+    <ds:schemaRef ds:uri="http://schemas.microsoft.com/VisualStudio/2011/storyboarding/control"/>
+  </ds:schemaRefs>
+</ds:datastoreItem>
+</file>
+
+<file path=customXml/itemProps23.xml><?xml version="1.0" encoding="utf-8"?>
+<ds:datastoreItem xmlns:ds="http://schemas.openxmlformats.org/officeDocument/2006/customXml" ds:itemID="{2EEF9FB1-9D25-4A1D-A076-B6E0EA849447}">
+  <ds:schemaRefs>
+    <ds:schemaRef ds:uri="http://schemas.microsoft.com/VisualStudio/2011/storyboarding/control"/>
+  </ds:schemaRefs>
+</ds:datastoreItem>
+</file>
+
+<file path=customXml/itemProps24.xml><?xml version="1.0" encoding="utf-8"?>
+<ds:datastoreItem xmlns:ds="http://schemas.openxmlformats.org/officeDocument/2006/customXml" ds:itemID="{BDD0396B-C9AC-4C82-ADCF-889C0B98757F}">
+  <ds:schemaRefs>
+    <ds:schemaRef ds:uri="http://schemas.microsoft.com/VisualStudio/2011/storyboarding/control"/>
+  </ds:schemaRefs>
+</ds:datastoreItem>
+</file>
+
+<file path=customXml/itemProps25.xml><?xml version="1.0" encoding="utf-8"?>
+<ds:datastoreItem xmlns:ds="http://schemas.openxmlformats.org/officeDocument/2006/customXml" ds:itemID="{C74D71B2-3290-40BB-A4B3-4B3D940B173C}">
+  <ds:schemaRefs>
+    <ds:schemaRef ds:uri="http://schemas.microsoft.com/VisualStudio/2011/storyboarding/control"/>
+  </ds:schemaRefs>
+</ds:datastoreItem>
+</file>
+
+<file path=customXml/itemProps26.xml><?xml version="1.0" encoding="utf-8"?>
+<ds:datastoreItem xmlns:ds="http://schemas.openxmlformats.org/officeDocument/2006/customXml" ds:itemID="{BD470024-E676-4C6D-A429-2FADF4406B2E}">
+  <ds:schemaRefs>
+    <ds:schemaRef ds:uri="http://schemas.microsoft.com/VisualStudio/2011/storyboarding/control"/>
+  </ds:schemaRefs>
+</ds:datastoreItem>
+</file>
+
+<file path=customXml/itemProps27.xml><?xml version="1.0" encoding="utf-8"?>
+<ds:datastoreItem xmlns:ds="http://schemas.openxmlformats.org/officeDocument/2006/customXml" ds:itemID="{A74A7972-2327-460D-9E59-44EBAA460EDA}">
+  <ds:schemaRefs>
+    <ds:schemaRef ds:uri="http://schemas.microsoft.com/VisualStudio/2011/storyboarding/control"/>
+  </ds:schemaRefs>
+</ds:datastoreItem>
+</file>
+
+<file path=customXml/itemProps28.xml><?xml version="1.0" encoding="utf-8"?>
+<ds:datastoreItem xmlns:ds="http://schemas.openxmlformats.org/officeDocument/2006/customXml" ds:itemID="{DEE418A6-E66D-4027-8E13-A41505333400}">
+  <ds:schemaRefs>
+    <ds:schemaRef ds:uri="http://schemas.microsoft.com/VisualStudio/2011/storyboarding/control"/>
+  </ds:schemaRefs>
+</ds:datastoreItem>
+</file>
+
+<file path=customXml/itemProps29.xml><?xml version="1.0" encoding="utf-8"?>
+<ds:datastoreItem xmlns:ds="http://schemas.openxmlformats.org/officeDocument/2006/customXml" ds:itemID="{855BF575-E2AC-426F-B126-527FB911FDA8}">
+  <ds:schemaRefs>
+    <ds:schemaRef ds:uri="http://schemas.microsoft.com/VisualStudio/2011/storyboarding/control"/>
+  </ds:schemaRefs>
+</ds:datastoreItem>
+</file>
+
+<file path=customXml/itemProps3.xml><?xml version="1.0" encoding="utf-8"?>
+<ds:datastoreItem xmlns:ds="http://schemas.openxmlformats.org/officeDocument/2006/customXml" ds:itemID="{967623AF-841C-45A8-8130-C6134B1261D6}">
+  <ds:schemaRefs>
+    <ds:schemaRef ds:uri="http://schemas.microsoft.com/VisualStudio/2011/storyboarding/control"/>
+  </ds:schemaRefs>
+</ds:datastoreItem>
+</file>
+
+<file path=customXml/itemProps30.xml><?xml version="1.0" encoding="utf-8"?>
 <ds:datastoreItem xmlns:ds="http://schemas.openxmlformats.org/officeDocument/2006/customXml" ds:itemID="{5EB41C67-6808-4DDE-B6C4-F7255C125406}">
   <ds:schemaRefs>
     <ds:schemaRef ds:uri="http://schemas.microsoft.com/VisualStudio/2011/storyboarding/control"/>
@@ -37427,39 +38334,7 @@
 </ds:datastoreItem>
 </file>
 
-<file path=customXml/itemProps13.xml><?xml version="1.0" encoding="utf-8"?>
-<ds:datastoreItem xmlns:ds="http://schemas.openxmlformats.org/officeDocument/2006/customXml" ds:itemID="{D30B1789-21E9-4474-9F11-53DF35B9A80D}">
-  <ds:schemaRefs>
-    <ds:schemaRef ds:uri="http://schemas.microsoft.com/VisualStudio/2011/storyboarding/control"/>
-  </ds:schemaRefs>
-</ds:datastoreItem>
-</file>
-
-<file path=customXml/itemProps14.xml><?xml version="1.0" encoding="utf-8"?>
-<ds:datastoreItem xmlns:ds="http://schemas.openxmlformats.org/officeDocument/2006/customXml" ds:itemID="{8D63884E-C154-48A3-9920-942354968BB9}">
-  <ds:schemaRefs>
-    <ds:schemaRef ds:uri="http://schemas.microsoft.com/VisualStudio/2011/storyboarding/control"/>
-  </ds:schemaRefs>
-</ds:datastoreItem>
-</file>
-
-<file path=customXml/itemProps15.xml><?xml version="1.0" encoding="utf-8"?>
-<ds:datastoreItem xmlns:ds="http://schemas.openxmlformats.org/officeDocument/2006/customXml" ds:itemID="{61A6F8B9-5969-49BB-B6A9-A450CA1E9AFF}">
-  <ds:schemaRefs>
-    <ds:schemaRef ds:uri="http://schemas.microsoft.com/VisualStudio/2011/storyboarding/control"/>
-  </ds:schemaRefs>
-</ds:datastoreItem>
-</file>
-
-<file path=customXml/itemProps16.xml><?xml version="1.0" encoding="utf-8"?>
-<ds:datastoreItem xmlns:ds="http://schemas.openxmlformats.org/officeDocument/2006/customXml" ds:itemID="{FFCBDFE3-4375-4C12-802F-00681DD1B5EE}">
-  <ds:schemaRefs>
-    <ds:schemaRef ds:uri="http://schemas.microsoft.com/VisualStudio/2011/storyboarding/control"/>
-  </ds:schemaRefs>
-</ds:datastoreItem>
-</file>
-
-<file path=customXml/itemProps17.xml><?xml version="1.0" encoding="utf-8"?>
+<file path=customXml/itemProps31.xml><?xml version="1.0" encoding="utf-8"?>
 <ds:datastoreItem xmlns:ds="http://schemas.openxmlformats.org/officeDocument/2006/customXml" ds:itemID="{66B2CACB-893E-43A0-A5D0-7DF2EABB2C93}">
   <ds:schemaRefs>
     <ds:schemaRef ds:uri="http://schemas.microsoft.com/VisualStudio/2011/storyboarding/control"/>
@@ -37467,136 +38342,8 @@
 </ds:datastoreItem>
 </file>
 
-<file path=customXml/itemProps18.xml><?xml version="1.0" encoding="utf-8"?>
-<ds:datastoreItem xmlns:ds="http://schemas.openxmlformats.org/officeDocument/2006/customXml" ds:itemID="{280441DC-C991-4D2B-8132-0E17F178FF22}">
-  <ds:schemaRefs>
-    <ds:schemaRef ds:uri="http://schemas.microsoft.com/VisualStudio/2011/storyboarding/control"/>
-  </ds:schemaRefs>
-</ds:datastoreItem>
-</file>
-
-<file path=customXml/itemProps19.xml><?xml version="1.0" encoding="utf-8"?>
-<ds:datastoreItem xmlns:ds="http://schemas.openxmlformats.org/officeDocument/2006/customXml" ds:itemID="{3EBA24D5-C8BD-489A-9F71-6BC2A277745F}">
-  <ds:schemaRefs>
-    <ds:schemaRef ds:uri="http://schemas.microsoft.com/VisualStudio/2011/storyboarding/control"/>
-  </ds:schemaRefs>
-</ds:datastoreItem>
-</file>
-
-<file path=customXml/itemProps2.xml><?xml version="1.0" encoding="utf-8"?>
-<ds:datastoreItem xmlns:ds="http://schemas.openxmlformats.org/officeDocument/2006/customXml" ds:itemID="{5923E548-5270-4835-8279-E25346DCB2CD}">
-  <ds:schemaRefs>
-    <ds:schemaRef ds:uri="http://schemas.microsoft.com/VisualStudio/2011/storyboarding/control"/>
-  </ds:schemaRefs>
-</ds:datastoreItem>
-</file>
-
-<file path=customXml/itemProps20.xml><?xml version="1.0" encoding="utf-8"?>
-<ds:datastoreItem xmlns:ds="http://schemas.openxmlformats.org/officeDocument/2006/customXml" ds:itemID="{8C5BDFB9-B786-43A2-9A95-C238234AD53E}">
-  <ds:schemaRefs>
-    <ds:schemaRef ds:uri="http://schemas.microsoft.com/VisualStudio/2011/storyboarding/control"/>
-  </ds:schemaRefs>
-</ds:datastoreItem>
-</file>
-
-<file path=customXml/itemProps21.xml><?xml version="1.0" encoding="utf-8"?>
-<ds:datastoreItem xmlns:ds="http://schemas.openxmlformats.org/officeDocument/2006/customXml" ds:itemID="{FCE62918-FFFF-4EB0-B0AD-CDBA5B22DA6E}">
-  <ds:schemaRefs>
-    <ds:schemaRef ds:uri="http://schemas.microsoft.com/VisualStudio/2011/storyboarding/control"/>
-  </ds:schemaRefs>
-</ds:datastoreItem>
-</file>
-
-<file path=customXml/itemProps22.xml><?xml version="1.0" encoding="utf-8"?>
-<ds:datastoreItem xmlns:ds="http://schemas.openxmlformats.org/officeDocument/2006/customXml" ds:itemID="{04DFC261-9BEE-4E4E-885F-9E7CFF060130}">
-  <ds:schemaRefs>
-    <ds:schemaRef ds:uri="http://schemas.microsoft.com/VisualStudio/2011/storyboarding/control"/>
-  </ds:schemaRefs>
-</ds:datastoreItem>
-</file>
-
-<file path=customXml/itemProps23.xml><?xml version="1.0" encoding="utf-8"?>
-<ds:datastoreItem xmlns:ds="http://schemas.openxmlformats.org/officeDocument/2006/customXml" ds:itemID="{B8283172-4EC1-4007-8C63-BB70858474A6}">
-  <ds:schemaRefs>
-    <ds:schemaRef ds:uri="http://schemas.microsoft.com/VisualStudio/2011/storyboarding/control"/>
-  </ds:schemaRefs>
-</ds:datastoreItem>
-</file>
-
-<file path=customXml/itemProps24.xml><?xml version="1.0" encoding="utf-8"?>
-<ds:datastoreItem xmlns:ds="http://schemas.openxmlformats.org/officeDocument/2006/customXml" ds:itemID="{298AB16C-1828-45E0-82E2-AAD98BCB0418}">
-  <ds:schemaRefs>
-    <ds:schemaRef ds:uri="http://schemas.microsoft.com/VisualStudio/2011/storyboarding/control"/>
-  </ds:schemaRefs>
-</ds:datastoreItem>
-</file>
-
-<file path=customXml/itemProps25.xml><?xml version="1.0" encoding="utf-8"?>
+<file path=customXml/itemProps32.xml><?xml version="1.0" encoding="utf-8"?>
 <ds:datastoreItem xmlns:ds="http://schemas.openxmlformats.org/officeDocument/2006/customXml" ds:itemID="{24FDA46E-2BFD-4BC4-8DD6-FE3567C3ADE9}">
-  <ds:schemaRefs>
-    <ds:schemaRef ds:uri="http://schemas.microsoft.com/VisualStudio/2011/storyboarding/control"/>
-  </ds:schemaRefs>
-</ds:datastoreItem>
-</file>
-
-<file path=customXml/itemProps26.xml><?xml version="1.0" encoding="utf-8"?>
-<ds:datastoreItem xmlns:ds="http://schemas.openxmlformats.org/officeDocument/2006/customXml" ds:itemID="{BA2C1981-2EBE-4E19-99A4-79B748E9CAE3}">
-  <ds:schemaRefs>
-    <ds:schemaRef ds:uri="http://schemas.microsoft.com/VisualStudio/2011/storyboarding/control"/>
-  </ds:schemaRefs>
-</ds:datastoreItem>
-</file>
-
-<file path=customXml/itemProps27.xml><?xml version="1.0" encoding="utf-8"?>
-<ds:datastoreItem xmlns:ds="http://schemas.openxmlformats.org/officeDocument/2006/customXml" ds:itemID="{6D4927ED-DD4E-4439-A1CB-BBCCD9C23313}">
-  <ds:schemaRefs>
-    <ds:schemaRef ds:uri="http://schemas.microsoft.com/VisualStudio/2011/storyboarding/control"/>
-  </ds:schemaRefs>
-</ds:datastoreItem>
-</file>
-
-<file path=customXml/itemProps28.xml><?xml version="1.0" encoding="utf-8"?>
-<ds:datastoreItem xmlns:ds="http://schemas.openxmlformats.org/officeDocument/2006/customXml" ds:itemID="{0464DDBD-EBEF-439A-847D-BF454D3C58CA}">
-  <ds:schemaRefs>
-    <ds:schemaRef ds:uri="http://schemas.microsoft.com/VisualStudio/2011/storyboarding/control"/>
-  </ds:schemaRefs>
-</ds:datastoreItem>
-</file>
-
-<file path=customXml/itemProps29.xml><?xml version="1.0" encoding="utf-8"?>
-<ds:datastoreItem xmlns:ds="http://schemas.openxmlformats.org/officeDocument/2006/customXml" ds:itemID="{F0D8AF21-7060-4B47-8ECA-8F36BC33244D}">
-  <ds:schemaRefs>
-    <ds:schemaRef ds:uri="http://schemas.microsoft.com/VisualStudio/2011/storyboarding/control"/>
-  </ds:schemaRefs>
-</ds:datastoreItem>
-</file>
-
-<file path=customXml/itemProps3.xml><?xml version="1.0" encoding="utf-8"?>
-<ds:datastoreItem xmlns:ds="http://schemas.openxmlformats.org/officeDocument/2006/customXml" ds:itemID="{855BF575-E2AC-426F-B126-527FB911FDA8}">
-  <ds:schemaRefs>
-    <ds:schemaRef ds:uri="http://schemas.microsoft.com/VisualStudio/2011/storyboarding/control"/>
-  </ds:schemaRefs>
-</ds:datastoreItem>
-</file>
-
-<file path=customXml/itemProps30.xml><?xml version="1.0" encoding="utf-8"?>
-<ds:datastoreItem xmlns:ds="http://schemas.openxmlformats.org/officeDocument/2006/customXml" ds:itemID="{2FFC1171-B585-4226-956C-A248EA30F16D}">
-  <ds:schemaRefs>
-    <ds:schemaRef ds:uri="http://schemas.microsoft.com/VisualStudio/2011/storyboarding/control"/>
-  </ds:schemaRefs>
-</ds:datastoreItem>
-</file>
-
-<file path=customXml/itemProps31.xml><?xml version="1.0" encoding="utf-8"?>
-<ds:datastoreItem xmlns:ds="http://schemas.openxmlformats.org/officeDocument/2006/customXml" ds:itemID="{2295A35F-E21A-4DC2-8664-2527F291530E}">
-  <ds:schemaRefs>
-    <ds:schemaRef ds:uri="http://schemas.microsoft.com/VisualStudio/2011/storyboarding/control"/>
-  </ds:schemaRefs>
-</ds:datastoreItem>
-</file>
-
-<file path=customXml/itemProps32.xml><?xml version="1.0" encoding="utf-8"?>
-<ds:datastoreItem xmlns:ds="http://schemas.openxmlformats.org/officeDocument/2006/customXml" ds:itemID="{299792E8-7DFC-4E19-9ADD-B30C73262642}">
   <ds:schemaRefs>
     <ds:schemaRef ds:uri="http://schemas.microsoft.com/VisualStudio/2011/storyboarding/control"/>
   </ds:schemaRefs>
@@ -37612,7 +38359,7 @@
 </file>
 
 <file path=customXml/itemProps34.xml><?xml version="1.0" encoding="utf-8"?>
-<ds:datastoreItem xmlns:ds="http://schemas.openxmlformats.org/officeDocument/2006/customXml" ds:itemID="{1BCD218E-A2E0-43ED-BC23-C6196CAE6BE3}">
+<ds:datastoreItem xmlns:ds="http://schemas.openxmlformats.org/officeDocument/2006/customXml" ds:itemID="{CEFBDC70-8B48-4FF2-AC93-83DEF2E4D077}">
   <ds:schemaRefs>
     <ds:schemaRef ds:uri="http://schemas.microsoft.com/VisualStudio/2011/storyboarding/control"/>
   </ds:schemaRefs>
@@ -37620,7 +38367,7 @@
 </file>
 
 <file path=customXml/itemProps35.xml><?xml version="1.0" encoding="utf-8"?>
-<ds:datastoreItem xmlns:ds="http://schemas.openxmlformats.org/officeDocument/2006/customXml" ds:itemID="{9E438C9D-FC99-4D97-B670-8DCB5F9DED65}">
+<ds:datastoreItem xmlns:ds="http://schemas.openxmlformats.org/officeDocument/2006/customXml" ds:itemID="{2D4E12DA-D0B3-4E60-BDA4-893C5BF79F4C}">
   <ds:schemaRefs>
     <ds:schemaRef ds:uri="http://schemas.microsoft.com/VisualStudio/2011/storyboarding/control"/>
   </ds:schemaRefs>
@@ -37628,6 +38375,94 @@
 </file>
 
 <file path=customXml/itemProps36.xml><?xml version="1.0" encoding="utf-8"?>
+<ds:datastoreItem xmlns:ds="http://schemas.openxmlformats.org/officeDocument/2006/customXml" ds:itemID="{E85AB565-3B61-48DD-8DF9-AA733AFB8DFE}">
+  <ds:schemaRefs>
+    <ds:schemaRef ds:uri="http://schemas.microsoft.com/VisualStudio/2011/storyboarding/control"/>
+  </ds:schemaRefs>
+</ds:datastoreItem>
+</file>
+
+<file path=customXml/itemProps37.xml><?xml version="1.0" encoding="utf-8"?>
+<ds:datastoreItem xmlns:ds="http://schemas.openxmlformats.org/officeDocument/2006/customXml" ds:itemID="{8C5BDFB9-B786-43A2-9A95-C238234AD53E}">
+  <ds:schemaRefs>
+    <ds:schemaRef ds:uri="http://schemas.microsoft.com/VisualStudio/2011/storyboarding/control"/>
+  </ds:schemaRefs>
+</ds:datastoreItem>
+</file>
+
+<file path=customXml/itemProps38.xml><?xml version="1.0" encoding="utf-8"?>
+<ds:datastoreItem xmlns:ds="http://schemas.openxmlformats.org/officeDocument/2006/customXml" ds:itemID="{D116E254-6537-4240-A775-BBCE068DAA39}">
+  <ds:schemaRefs>
+    <ds:schemaRef ds:uri="http://schemas.microsoft.com/VisualStudio/2011/storyboarding/control"/>
+  </ds:schemaRefs>
+</ds:datastoreItem>
+</file>
+
+<file path=customXml/itemProps39.xml><?xml version="1.0" encoding="utf-8"?>
+<ds:datastoreItem xmlns:ds="http://schemas.openxmlformats.org/officeDocument/2006/customXml" ds:itemID="{A55326B6-ABCC-4F79-AFE3-1F28C97A81F5}">
+  <ds:schemaRefs>
+    <ds:schemaRef ds:uri="http://schemas.microsoft.com/VisualStudio/2011/storyboarding/control"/>
+  </ds:schemaRefs>
+</ds:datastoreItem>
+</file>
+
+<file path=customXml/itemProps4.xml><?xml version="1.0" encoding="utf-8"?>
+<ds:datastoreItem xmlns:ds="http://schemas.openxmlformats.org/officeDocument/2006/customXml" ds:itemID="{F3E894DF-296D-4DA1-9FE9-C63A432C0742}">
+  <ds:schemaRefs>
+    <ds:schemaRef ds:uri="http://schemas.microsoft.com/VisualStudio/2011/storyboarding/control"/>
+  </ds:schemaRefs>
+</ds:datastoreItem>
+</file>
+
+<file path=customXml/itemProps40.xml><?xml version="1.0" encoding="utf-8"?>
+<ds:datastoreItem xmlns:ds="http://schemas.openxmlformats.org/officeDocument/2006/customXml" ds:itemID="{B0552A4A-2067-4BD8-983E-DD00A38B8615}">
+  <ds:schemaRefs>
+    <ds:schemaRef ds:uri="http://schemas.microsoft.com/VisualStudio/2011/storyboarding/control"/>
+  </ds:schemaRefs>
+</ds:datastoreItem>
+</file>
+
+<file path=customXml/itemProps41.xml><?xml version="1.0" encoding="utf-8"?>
+<ds:datastoreItem xmlns:ds="http://schemas.openxmlformats.org/officeDocument/2006/customXml" ds:itemID="{4F21B70E-A94C-4790-A652-B636D5EFC3B0}">
+  <ds:schemaRefs>
+    <ds:schemaRef ds:uri="http://schemas.microsoft.com/VisualStudio/2011/storyboarding/control"/>
+  </ds:schemaRefs>
+</ds:datastoreItem>
+</file>
+
+<file path=customXml/itemProps42.xml><?xml version="1.0" encoding="utf-8"?>
+<ds:datastoreItem xmlns:ds="http://schemas.openxmlformats.org/officeDocument/2006/customXml" ds:itemID="{C6DA4382-7676-4077-A453-3955F7752D3B}">
+  <ds:schemaRefs>
+    <ds:schemaRef ds:uri="http://schemas.microsoft.com/VisualStudio/2011/storyboarding/control"/>
+  </ds:schemaRefs>
+</ds:datastoreItem>
+</file>
+
+<file path=customXml/itemProps43.xml><?xml version="1.0" encoding="utf-8"?>
+<ds:datastoreItem xmlns:ds="http://schemas.openxmlformats.org/officeDocument/2006/customXml" ds:itemID="{61A6F8B9-5969-49BB-B6A9-A450CA1E9AFF}">
+  <ds:schemaRefs>
+    <ds:schemaRef ds:uri="http://schemas.microsoft.com/VisualStudio/2011/storyboarding/control"/>
+  </ds:schemaRefs>
+</ds:datastoreItem>
+</file>
+
+<file path=customXml/itemProps44.xml><?xml version="1.0" encoding="utf-8"?>
+<ds:datastoreItem xmlns:ds="http://schemas.openxmlformats.org/officeDocument/2006/customXml" ds:itemID="{B8283172-4EC1-4007-8C63-BB70858474A6}">
+  <ds:schemaRefs>
+    <ds:schemaRef ds:uri="http://schemas.microsoft.com/VisualStudio/2011/storyboarding/control"/>
+  </ds:schemaRefs>
+</ds:datastoreItem>
+</file>
+
+<file path=customXml/itemProps45.xml><?xml version="1.0" encoding="utf-8"?>
+<ds:datastoreItem xmlns:ds="http://schemas.openxmlformats.org/officeDocument/2006/customXml" ds:itemID="{0464DDBD-EBEF-439A-847D-BF454D3C58CA}">
+  <ds:schemaRefs>
+    <ds:schemaRef ds:uri="http://schemas.microsoft.com/VisualStudio/2011/storyboarding/control"/>
+  </ds:schemaRefs>
+</ds:datastoreItem>
+</file>
+
+<file path=customXml/itemProps46.xml><?xml version="1.0" encoding="utf-8"?>
 <ds:datastoreItem xmlns:ds="http://schemas.openxmlformats.org/officeDocument/2006/customXml" ds:itemID="{E42B9E80-4B24-4BF8-928E-30EBF00B230E}">
   <ds:schemaRefs>
     <ds:schemaRef ds:uri="http://schemas.microsoft.com/VisualStudio/2011/storyboarding/control"/>
@@ -37635,96 +38470,8 @@
 </ds:datastoreItem>
 </file>
 
-<file path=customXml/itemProps37.xml><?xml version="1.0" encoding="utf-8"?>
-<ds:datastoreItem xmlns:ds="http://schemas.openxmlformats.org/officeDocument/2006/customXml" ds:itemID="{28ADDD51-A586-45F4-919D-5C6D7F779492}">
-  <ds:schemaRefs>
-    <ds:schemaRef ds:uri="http://schemas.microsoft.com/VisualStudio/2011/storyboarding/control"/>
-  </ds:schemaRefs>
-</ds:datastoreItem>
-</file>
-
-<file path=customXml/itemProps38.xml><?xml version="1.0" encoding="utf-8"?>
-<ds:datastoreItem xmlns:ds="http://schemas.openxmlformats.org/officeDocument/2006/customXml" ds:itemID="{CEFBDC70-8B48-4FF2-AC93-83DEF2E4D077}">
-  <ds:schemaRefs>
-    <ds:schemaRef ds:uri="http://schemas.microsoft.com/VisualStudio/2011/storyboarding/control"/>
-  </ds:schemaRefs>
-</ds:datastoreItem>
-</file>
-
-<file path=customXml/itemProps39.xml><?xml version="1.0" encoding="utf-8"?>
-<ds:datastoreItem xmlns:ds="http://schemas.openxmlformats.org/officeDocument/2006/customXml" ds:itemID="{24431189-FFF4-447B-9A86-AB040EAFA4A4}">
-  <ds:schemaRefs>
-    <ds:schemaRef ds:uri="http://schemas.microsoft.com/VisualStudio/2011/storyboarding/control"/>
-  </ds:schemaRefs>
-</ds:datastoreItem>
-</file>
-
-<file path=customXml/itemProps4.xml><?xml version="1.0" encoding="utf-8"?>
-<ds:datastoreItem xmlns:ds="http://schemas.openxmlformats.org/officeDocument/2006/customXml" ds:itemID="{5A5B60C3-A86B-42E9-BA3E-D0D7271887AF}">
-  <ds:schemaRefs>
-    <ds:schemaRef ds:uri="http://schemas.microsoft.com/VisualStudio/2011/storyboarding/control"/>
-  </ds:schemaRefs>
-</ds:datastoreItem>
-</file>
-
-<file path=customXml/itemProps40.xml><?xml version="1.0" encoding="utf-8"?>
-<ds:datastoreItem xmlns:ds="http://schemas.openxmlformats.org/officeDocument/2006/customXml" ds:itemID="{5895D23A-F537-4688-982D-D515659677ED}">
-  <ds:schemaRefs>
-    <ds:schemaRef ds:uri="http://schemas.microsoft.com/VisualStudio/2011/storyboarding/control"/>
-  </ds:schemaRefs>
-</ds:datastoreItem>
-</file>
-
-<file path=customXml/itemProps41.xml><?xml version="1.0" encoding="utf-8"?>
-<ds:datastoreItem xmlns:ds="http://schemas.openxmlformats.org/officeDocument/2006/customXml" ds:itemID="{D116E254-6537-4240-A775-BBCE068DAA39}">
-  <ds:schemaRefs>
-    <ds:schemaRef ds:uri="http://schemas.microsoft.com/VisualStudio/2011/storyboarding/control"/>
-  </ds:schemaRefs>
-</ds:datastoreItem>
-</file>
-
-<file path=customXml/itemProps42.xml><?xml version="1.0" encoding="utf-8"?>
-<ds:datastoreItem xmlns:ds="http://schemas.openxmlformats.org/officeDocument/2006/customXml" ds:itemID="{26D3E6AB-8B95-4D86-BFCF-73E67477F79E}">
-  <ds:schemaRefs>
-    <ds:schemaRef ds:uri="http://schemas.microsoft.com/VisualStudio/2011/storyboarding/control"/>
-  </ds:schemaRefs>
-</ds:datastoreItem>
-</file>
-
-<file path=customXml/itemProps43.xml><?xml version="1.0" encoding="utf-8"?>
-<ds:datastoreItem xmlns:ds="http://schemas.openxmlformats.org/officeDocument/2006/customXml" ds:itemID="{2EEF9FB1-9D25-4A1D-A076-B6E0EA849447}">
-  <ds:schemaRefs>
-    <ds:schemaRef ds:uri="http://schemas.microsoft.com/VisualStudio/2011/storyboarding/control"/>
-  </ds:schemaRefs>
-</ds:datastoreItem>
-</file>
-
-<file path=customXml/itemProps44.xml><?xml version="1.0" encoding="utf-8"?>
-<ds:datastoreItem xmlns:ds="http://schemas.openxmlformats.org/officeDocument/2006/customXml" ds:itemID="{42E462B0-E7FC-471F-AED9-E89A97D6658D}">
-  <ds:schemaRefs>
-    <ds:schemaRef ds:uri="http://schemas.microsoft.com/VisualStudio/2011/storyboarding/control"/>
-  </ds:schemaRefs>
-</ds:datastoreItem>
-</file>
-
-<file path=customXml/itemProps45.xml><?xml version="1.0" encoding="utf-8"?>
-<ds:datastoreItem xmlns:ds="http://schemas.openxmlformats.org/officeDocument/2006/customXml" ds:itemID="{3D77DF27-5C86-4F36-850D-516D3273C19B}">
-  <ds:schemaRefs>
-    <ds:schemaRef ds:uri="http://schemas.microsoft.com/VisualStudio/2011/storyboarding/control"/>
-  </ds:schemaRefs>
-</ds:datastoreItem>
-</file>
-
-<file path=customXml/itemProps46.xml><?xml version="1.0" encoding="utf-8"?>
-<ds:datastoreItem xmlns:ds="http://schemas.openxmlformats.org/officeDocument/2006/customXml" ds:itemID="{2D4E12DA-D0B3-4E60-BDA4-893C5BF79F4C}">
-  <ds:schemaRefs>
-    <ds:schemaRef ds:uri="http://schemas.microsoft.com/VisualStudio/2011/storyboarding/control"/>
-  </ds:schemaRefs>
-</ds:datastoreItem>
-</file>
-
 <file path=customXml/itemProps47.xml><?xml version="1.0" encoding="utf-8"?>
-<ds:datastoreItem xmlns:ds="http://schemas.openxmlformats.org/officeDocument/2006/customXml" ds:itemID="{967623AF-841C-45A8-8130-C6134B1261D6}">
+<ds:datastoreItem xmlns:ds="http://schemas.openxmlformats.org/officeDocument/2006/customXml" ds:itemID="{00E03623-B74D-48D2-B90E-018732A79498}">
   <ds:schemaRefs>
     <ds:schemaRef ds:uri="http://schemas.microsoft.com/VisualStudio/2011/storyboarding/control"/>
   </ds:schemaRefs>
@@ -37732,7 +38479,7 @@
 </file>
 
 <file path=customXml/itemProps48.xml><?xml version="1.0" encoding="utf-8"?>
-<ds:datastoreItem xmlns:ds="http://schemas.openxmlformats.org/officeDocument/2006/customXml" ds:itemID="{BDD0396B-C9AC-4C82-ADCF-889C0B98757F}">
+<ds:datastoreItem xmlns:ds="http://schemas.openxmlformats.org/officeDocument/2006/customXml" ds:itemID="{D33266A0-64D0-4FED-9BBC-DCA663FE79F2}">
   <ds:schemaRefs>
     <ds:schemaRef ds:uri="http://schemas.microsoft.com/VisualStudio/2011/storyboarding/control"/>
   </ds:schemaRefs>
@@ -37740,7 +38487,7 @@
 </file>
 
 <file path=customXml/itemProps49.xml><?xml version="1.0" encoding="utf-8"?>
-<ds:datastoreItem xmlns:ds="http://schemas.openxmlformats.org/officeDocument/2006/customXml" ds:itemID="{00E03623-B74D-48D2-B90E-018732A79498}">
+<ds:datastoreItem xmlns:ds="http://schemas.openxmlformats.org/officeDocument/2006/customXml" ds:itemID="{BA716B48-F792-45D1-9D56-A90343D3B8D6}">
   <ds:schemaRefs>
     <ds:schemaRef ds:uri="http://schemas.microsoft.com/VisualStudio/2011/storyboarding/control"/>
   </ds:schemaRefs>
@@ -37748,7 +38495,7 @@
 </file>
 
 <file path=customXml/itemProps5.xml><?xml version="1.0" encoding="utf-8"?>
-<ds:datastoreItem xmlns:ds="http://schemas.openxmlformats.org/officeDocument/2006/customXml" ds:itemID="{40F5FB0B-8E57-4009-BF8C-407479DF989C}">
+<ds:datastoreItem xmlns:ds="http://schemas.openxmlformats.org/officeDocument/2006/customXml" ds:itemID="{FFCBDFE3-4375-4C12-802F-00681DD1B5EE}">
   <ds:schemaRefs>
     <ds:schemaRef ds:uri="http://schemas.microsoft.com/VisualStudio/2011/storyboarding/control"/>
   </ds:schemaRefs>
@@ -37756,7 +38503,7 @@
 </file>
 
 <file path=customXml/itemProps50.xml><?xml version="1.0" encoding="utf-8"?>
-<ds:datastoreItem xmlns:ds="http://schemas.openxmlformats.org/officeDocument/2006/customXml" ds:itemID="{9FD7690A-683A-4757-9567-0AFC1456C374}">
+<ds:datastoreItem xmlns:ds="http://schemas.openxmlformats.org/officeDocument/2006/customXml" ds:itemID="{2295A35F-E21A-4DC2-8664-2527F291530E}">
   <ds:schemaRefs>
     <ds:schemaRef ds:uri="http://schemas.microsoft.com/VisualStudio/2011/storyboarding/control"/>
   </ds:schemaRefs>
@@ -37764,7 +38511,7 @@
 </file>
 
 <file path=customXml/itemProps51.xml><?xml version="1.0" encoding="utf-8"?>
-<ds:datastoreItem xmlns:ds="http://schemas.openxmlformats.org/officeDocument/2006/customXml" ds:itemID="{DEE418A6-E66D-4027-8E13-A41505333400}">
+<ds:datastoreItem xmlns:ds="http://schemas.openxmlformats.org/officeDocument/2006/customXml" ds:itemID="{42E462B0-E7FC-471F-AED9-E89A97D6658D}">
   <ds:schemaRefs>
     <ds:schemaRef ds:uri="http://schemas.microsoft.com/VisualStudio/2011/storyboarding/control"/>
   </ds:schemaRefs>
@@ -37780,7 +38527,7 @@
 </file>
 
 <file path=customXml/itemProps53.xml><?xml version="1.0" encoding="utf-8"?>
-<ds:datastoreItem xmlns:ds="http://schemas.openxmlformats.org/officeDocument/2006/customXml" ds:itemID="{B79283A9-CF1B-4863-AC5B-DDE8E7EAF3D5}">
+<ds:datastoreItem xmlns:ds="http://schemas.openxmlformats.org/officeDocument/2006/customXml" ds:itemID="{F7EC5010-E986-4B7C-872A-FC27CA38F0DB}">
   <ds:schemaRefs>
     <ds:schemaRef ds:uri="http://schemas.microsoft.com/VisualStudio/2011/storyboarding/control"/>
   </ds:schemaRefs>
@@ -37788,7 +38535,7 @@
 </file>
 
 <file path=customXml/itemProps54.xml><?xml version="1.0" encoding="utf-8"?>
-<ds:datastoreItem xmlns:ds="http://schemas.openxmlformats.org/officeDocument/2006/customXml" ds:itemID="{A55326B6-ABCC-4F79-AFE3-1F28C97A81F5}">
+<ds:datastoreItem xmlns:ds="http://schemas.openxmlformats.org/officeDocument/2006/customXml" ds:itemID="{94EBF875-6A0B-4F89-A062-93B926689420}">
   <ds:schemaRefs>
     <ds:schemaRef ds:uri="http://schemas.microsoft.com/VisualStudio/2011/storyboarding/control"/>
   </ds:schemaRefs>
@@ -37796,6 +38543,70 @@
 </file>
 
 <file path=customXml/itemProps55.xml><?xml version="1.0" encoding="utf-8"?>
+<ds:datastoreItem xmlns:ds="http://schemas.openxmlformats.org/officeDocument/2006/customXml" ds:itemID="{5A5B60C3-A86B-42E9-BA3E-D0D7271887AF}">
+  <ds:schemaRefs>
+    <ds:schemaRef ds:uri="http://schemas.microsoft.com/VisualStudio/2011/storyboarding/control"/>
+  </ds:schemaRefs>
+</ds:datastoreItem>
+</file>
+
+<file path=customXml/itemProps56.xml><?xml version="1.0" encoding="utf-8"?>
+<ds:datastoreItem xmlns:ds="http://schemas.openxmlformats.org/officeDocument/2006/customXml" ds:itemID="{01E1E3A8-7BC9-447C-B4FA-DB473E6B04B5}">
+  <ds:schemaRefs>
+    <ds:schemaRef ds:uri="http://schemas.microsoft.com/VisualStudio/2011/storyboarding/control"/>
+  </ds:schemaRefs>
+</ds:datastoreItem>
+</file>
+
+<file path=customXml/itemProps57.xml><?xml version="1.0" encoding="utf-8"?>
+<ds:datastoreItem xmlns:ds="http://schemas.openxmlformats.org/officeDocument/2006/customXml" ds:itemID="{D30B1789-21E9-4474-9F11-53DF35B9A80D}">
+  <ds:schemaRefs>
+    <ds:schemaRef ds:uri="http://schemas.microsoft.com/VisualStudio/2011/storyboarding/control"/>
+  </ds:schemaRefs>
+</ds:datastoreItem>
+</file>
+
+<file path=customXml/itemProps58.xml><?xml version="1.0" encoding="utf-8"?>
+<ds:datastoreItem xmlns:ds="http://schemas.openxmlformats.org/officeDocument/2006/customXml" ds:itemID="{280441DC-C991-4D2B-8132-0E17F178FF22}">
+  <ds:schemaRefs>
+    <ds:schemaRef ds:uri="http://schemas.microsoft.com/VisualStudio/2011/storyboarding/control"/>
+  </ds:schemaRefs>
+</ds:datastoreItem>
+</file>
+
+<file path=customXml/itemProps59.xml><?xml version="1.0" encoding="utf-8"?>
+<ds:datastoreItem xmlns:ds="http://schemas.openxmlformats.org/officeDocument/2006/customXml" ds:itemID="{24431189-FFF4-447B-9A86-AB040EAFA4A4}">
+  <ds:schemaRefs>
+    <ds:schemaRef ds:uri="http://schemas.microsoft.com/VisualStudio/2011/storyboarding/control"/>
+  </ds:schemaRefs>
+</ds:datastoreItem>
+</file>
+
+<file path=customXml/itemProps6.xml><?xml version="1.0" encoding="utf-8"?>
+<ds:datastoreItem xmlns:ds="http://schemas.openxmlformats.org/officeDocument/2006/customXml" ds:itemID="{AD143AEC-0E1D-4289-9437-D0C60EEAC756}">
+  <ds:schemaRefs>
+    <ds:schemaRef ds:uri="http://schemas.microsoft.com/VisualStudio/2011/storyboarding/control"/>
+  </ds:schemaRefs>
+</ds:datastoreItem>
+</file>
+
+<file path=customXml/itemProps60.xml><?xml version="1.0" encoding="utf-8"?>
+<ds:datastoreItem xmlns:ds="http://schemas.openxmlformats.org/officeDocument/2006/customXml" ds:itemID="{1BCD218E-A2E0-43ED-BC23-C6196CAE6BE3}">
+  <ds:schemaRefs>
+    <ds:schemaRef ds:uri="http://schemas.microsoft.com/VisualStudio/2011/storyboarding/control"/>
+  </ds:schemaRefs>
+</ds:datastoreItem>
+</file>
+
+<file path=customXml/itemProps61.xml><?xml version="1.0" encoding="utf-8"?>
+<ds:datastoreItem xmlns:ds="http://schemas.openxmlformats.org/officeDocument/2006/customXml" ds:itemID="{9FD7690A-683A-4757-9567-0AFC1456C374}">
+  <ds:schemaRefs>
+    <ds:schemaRef ds:uri="http://schemas.microsoft.com/VisualStudio/2011/storyboarding/control"/>
+  </ds:schemaRefs>
+</ds:datastoreItem>
+</file>
+
+<file path=customXml/itemProps62.xml><?xml version="1.0" encoding="utf-8"?>
 <ds:datastoreItem xmlns:ds="http://schemas.openxmlformats.org/officeDocument/2006/customXml" ds:itemID="{8EF4766C-C19F-4AB7-8EBC-98749F944A53}">
   <ds:schemaRefs>
     <ds:schemaRef ds:uri="http://schemas.microsoft.com/VisualStudio/2011/storyboarding/control"/>
@@ -37803,72 +38614,8 @@
 </ds:datastoreItem>
 </file>
 
-<file path=customXml/itemProps56.xml><?xml version="1.0" encoding="utf-8"?>
-<ds:datastoreItem xmlns:ds="http://schemas.openxmlformats.org/officeDocument/2006/customXml" ds:itemID="{C74D71B2-3290-40BB-A4B3-4B3D940B173C}">
-  <ds:schemaRefs>
-    <ds:schemaRef ds:uri="http://schemas.microsoft.com/VisualStudio/2011/storyboarding/control"/>
-  </ds:schemaRefs>
-</ds:datastoreItem>
-</file>
-
-<file path=customXml/itemProps57.xml><?xml version="1.0" encoding="utf-8"?>
-<ds:datastoreItem xmlns:ds="http://schemas.openxmlformats.org/officeDocument/2006/customXml" ds:itemID="{D33266A0-64D0-4FED-9BBC-DCA663FE79F2}">
-  <ds:schemaRefs>
-    <ds:schemaRef ds:uri="http://schemas.microsoft.com/VisualStudio/2011/storyboarding/control"/>
-  </ds:schemaRefs>
-</ds:datastoreItem>
-</file>
-
-<file path=customXml/itemProps58.xml><?xml version="1.0" encoding="utf-8"?>
-<ds:datastoreItem xmlns:ds="http://schemas.openxmlformats.org/officeDocument/2006/customXml" ds:itemID="{BE6727CF-D2A1-4D4B-A26F-0AD570089289}">
-  <ds:schemaRefs>
-    <ds:schemaRef ds:uri="http://schemas.microsoft.com/VisualStudio/2011/storyboarding/control"/>
-  </ds:schemaRefs>
-</ds:datastoreItem>
-</file>
-
-<file path=customXml/itemProps59.xml><?xml version="1.0" encoding="utf-8"?>
-<ds:datastoreItem xmlns:ds="http://schemas.openxmlformats.org/officeDocument/2006/customXml" ds:itemID="{E85AB565-3B61-48DD-8DF9-AA733AFB8DFE}">
-  <ds:schemaRefs>
-    <ds:schemaRef ds:uri="http://schemas.microsoft.com/VisualStudio/2011/storyboarding/control"/>
-  </ds:schemaRefs>
-</ds:datastoreItem>
-</file>
-
-<file path=customXml/itemProps6.xml><?xml version="1.0" encoding="utf-8"?>
-<ds:datastoreItem xmlns:ds="http://schemas.openxmlformats.org/officeDocument/2006/customXml" ds:itemID="{C6DA4382-7676-4077-A453-3955F7752D3B}">
-  <ds:schemaRefs>
-    <ds:schemaRef ds:uri="http://schemas.microsoft.com/VisualStudio/2011/storyboarding/control"/>
-  </ds:schemaRefs>
-</ds:datastoreItem>
-</file>
-
-<file path=customXml/itemProps60.xml><?xml version="1.0" encoding="utf-8"?>
-<ds:datastoreItem xmlns:ds="http://schemas.openxmlformats.org/officeDocument/2006/customXml" ds:itemID="{F7EC5010-E986-4B7C-872A-FC27CA38F0DB}">
-  <ds:schemaRefs>
-    <ds:schemaRef ds:uri="http://schemas.microsoft.com/VisualStudio/2011/storyboarding/control"/>
-  </ds:schemaRefs>
-</ds:datastoreItem>
-</file>
-
-<file path=customXml/itemProps61.xml><?xml version="1.0" encoding="utf-8"?>
-<ds:datastoreItem xmlns:ds="http://schemas.openxmlformats.org/officeDocument/2006/customXml" ds:itemID="{E96E7730-E1B9-4C4A-BD09-57F8F455ED86}">
-  <ds:schemaRefs>
-    <ds:schemaRef ds:uri="http://schemas.microsoft.com/VisualStudio/2011/storyboarding/control"/>
-  </ds:schemaRefs>
-</ds:datastoreItem>
-</file>
-
-<file path=customXml/itemProps62.xml><?xml version="1.0" encoding="utf-8"?>
-<ds:datastoreItem xmlns:ds="http://schemas.openxmlformats.org/officeDocument/2006/customXml" ds:itemID="{B0552A4A-2067-4BD8-983E-DD00A38B8615}">
-  <ds:schemaRefs>
-    <ds:schemaRef ds:uri="http://schemas.microsoft.com/VisualStudio/2011/storyboarding/control"/>
-  </ds:schemaRefs>
-</ds:datastoreItem>
-</file>
-
 <file path=customXml/itemProps63.xml><?xml version="1.0" encoding="utf-8"?>
-<ds:datastoreItem xmlns:ds="http://schemas.openxmlformats.org/officeDocument/2006/customXml" ds:itemID="{F3E894DF-296D-4DA1-9FE9-C63A432C0742}">
+<ds:datastoreItem xmlns:ds="http://schemas.openxmlformats.org/officeDocument/2006/customXml" ds:itemID="{55EB1D70-4517-4AB5-9D5E-7911FB512752}">
   <ds:schemaRefs>
     <ds:schemaRef ds:uri="http://schemas.microsoft.com/VisualStudio/2011/storyboarding/control"/>
   </ds:schemaRefs>
@@ -37876,7 +38623,7 @@
 </file>
 
 <file path=customXml/itemProps64.xml><?xml version="1.0" encoding="utf-8"?>
-<ds:datastoreItem xmlns:ds="http://schemas.openxmlformats.org/officeDocument/2006/customXml" ds:itemID="{BD470024-E676-4C6D-A429-2FADF4406B2E}">
+<ds:datastoreItem xmlns:ds="http://schemas.openxmlformats.org/officeDocument/2006/customXml" ds:itemID="{5923E548-5270-4835-8279-E25346DCB2CD}">
   <ds:schemaRefs>
     <ds:schemaRef ds:uri="http://schemas.microsoft.com/VisualStudio/2011/storyboarding/control"/>
   </ds:schemaRefs>
@@ -37884,7 +38631,7 @@
 </file>
 
 <file path=customXml/itemProps65.xml><?xml version="1.0" encoding="utf-8"?>
-<ds:datastoreItem xmlns:ds="http://schemas.openxmlformats.org/officeDocument/2006/customXml" ds:itemID="{94EBF875-6A0B-4F89-A062-93B926689420}">
+<ds:datastoreItem xmlns:ds="http://schemas.openxmlformats.org/officeDocument/2006/customXml" ds:itemID="{F0D8AF21-7060-4B47-8ECA-8F36BC33244D}">
   <ds:schemaRefs>
     <ds:schemaRef ds:uri="http://schemas.microsoft.com/VisualStudio/2011/storyboarding/control"/>
   </ds:schemaRefs>
@@ -37892,7 +38639,31 @@
 </file>
 
 <file path=customXml/itemProps66.xml><?xml version="1.0" encoding="utf-8"?>
-<ds:datastoreItem xmlns:ds="http://schemas.openxmlformats.org/officeDocument/2006/customXml" ds:itemID="{41A263EC-51F4-4A02-908F-9AE94458D8BE}">
+<ds:datastoreItem xmlns:ds="http://schemas.openxmlformats.org/officeDocument/2006/customXml" ds:itemID="{BA2C1981-2EBE-4E19-99A4-79B748E9CAE3}">
+  <ds:schemaRefs>
+    <ds:schemaRef ds:uri="http://schemas.microsoft.com/VisualStudio/2011/storyboarding/control"/>
+  </ds:schemaRefs>
+</ds:datastoreItem>
+</file>
+
+<file path=customXml/itemProps67.xml><?xml version="1.0" encoding="utf-8"?>
+<ds:datastoreItem xmlns:ds="http://schemas.openxmlformats.org/officeDocument/2006/customXml" ds:itemID="{674C0C29-2C05-4C59-8D87-8837882B5451}">
+  <ds:schemaRefs>
+    <ds:schemaRef ds:uri="http://schemas.microsoft.com/VisualStudio/2011/storyboarding/control"/>
+  </ds:schemaRefs>
+</ds:datastoreItem>
+</file>
+
+<file path=customXml/itemProps68.xml><?xml version="1.0" encoding="utf-8"?>
+<ds:datastoreItem xmlns:ds="http://schemas.openxmlformats.org/officeDocument/2006/customXml" ds:itemID="{8E0D868C-CE64-4CD1-B7F4-97AADDA28205}">
+  <ds:schemaRefs>
+    <ds:schemaRef ds:uri="http://schemas.microsoft.com/VisualStudio/2011/storyboarding/control"/>
+  </ds:schemaRefs>
+</ds:datastoreItem>
+</file>
+
+<file path=customXml/itemProps69.xml><?xml version="1.0" encoding="utf-8"?>
+<ds:datastoreItem xmlns:ds="http://schemas.openxmlformats.org/officeDocument/2006/customXml" ds:itemID="{90FE03F0-8FEC-4DFE-8120-17280C48351D}">
   <ds:schemaRefs>
     <ds:schemaRef ds:uri="http://schemas.microsoft.com/VisualStudio/2011/storyboarding/control"/>
   </ds:schemaRefs>
@@ -37900,7 +38671,7 @@
 </file>
 
 <file path=customXml/itemProps7.xml><?xml version="1.0" encoding="utf-8"?>
-<ds:datastoreItem xmlns:ds="http://schemas.openxmlformats.org/officeDocument/2006/customXml" ds:itemID="{55EB1D70-4517-4AB5-9D5E-7911FB512752}">
+<ds:datastoreItem xmlns:ds="http://schemas.openxmlformats.org/officeDocument/2006/customXml" ds:itemID="{298AB16C-1828-45E0-82E2-AAD98BCB0418}">
   <ds:schemaRefs>
     <ds:schemaRef ds:uri="http://schemas.microsoft.com/VisualStudio/2011/storyboarding/control"/>
   </ds:schemaRefs>
@@ -37908,7 +38679,7 @@
 </file>
 
 <file path=customXml/itemProps8.xml><?xml version="1.0" encoding="utf-8"?>
-<ds:datastoreItem xmlns:ds="http://schemas.openxmlformats.org/officeDocument/2006/customXml" ds:itemID="{A74A7972-2327-460D-9E59-44EBAA460EDA}">
+<ds:datastoreItem xmlns:ds="http://schemas.openxmlformats.org/officeDocument/2006/customXml" ds:itemID="{299792E8-7DFC-4E19-9ADD-B30C73262642}">
   <ds:schemaRefs>
     <ds:schemaRef ds:uri="http://schemas.microsoft.com/VisualStudio/2011/storyboarding/control"/>
   </ds:schemaRefs>
@@ -37916,7 +38687,7 @@
 </file>
 
 <file path=customXml/itemProps9.xml><?xml version="1.0" encoding="utf-8"?>
-<ds:datastoreItem xmlns:ds="http://schemas.openxmlformats.org/officeDocument/2006/customXml" ds:itemID="{01E1E3A8-7BC9-447C-B4FA-DB473E6B04B5}">
+<ds:datastoreItem xmlns:ds="http://schemas.openxmlformats.org/officeDocument/2006/customXml" ds:itemID="{28ADDD51-A586-45F4-919D-5C6D7F779492}">
   <ds:schemaRefs>
     <ds:schemaRef ds:uri="http://schemas.microsoft.com/VisualStudio/2011/storyboarding/control"/>
   </ds:schemaRefs>
